--- a/database/3강 Mysql 개요 및 설치.pptx
+++ b/database/3강 Mysql 개요 및 설치.pptx
@@ -12,6 +12,14 @@
     <p:sldId id="407" r:id="rId6"/>
     <p:sldId id="408" r:id="rId7"/>
     <p:sldId id="409" r:id="rId8"/>
+    <p:sldId id="410" r:id="rId9"/>
+    <p:sldId id="411" r:id="rId10"/>
+    <p:sldId id="412" r:id="rId11"/>
+    <p:sldId id="413" r:id="rId12"/>
+    <p:sldId id="414" r:id="rId13"/>
+    <p:sldId id="415" r:id="rId14"/>
+    <p:sldId id="416" r:id="rId15"/>
+    <p:sldId id="417" r:id="rId16"/>
   </p:sldIdLst>
   <p:sldSz cx="12192000" cy="6858000"/>
   <p:notesSz cx="6858000" cy="9144000"/>
@@ -125,6 +133,14 @@
             <p14:sldId id="407"/>
             <p14:sldId id="408"/>
             <p14:sldId id="409"/>
+            <p14:sldId id="410"/>
+            <p14:sldId id="411"/>
+            <p14:sldId id="412"/>
+            <p14:sldId id="413"/>
+            <p14:sldId id="414"/>
+            <p14:sldId id="415"/>
+            <p14:sldId id="416"/>
+            <p14:sldId id="417"/>
           </p14:sldIdLst>
         </p14:section>
       </p14:sectionLst>
@@ -8264,6 +8280,1797 @@
 </p:sld>
 </file>
 
+<file path=ppt/slides/slide10.xml><?xml version="1.0" encoding="utf-8"?>
+<p:sld xmlns:a="http://schemas.openxmlformats.org/drawingml/2006/main" xmlns:r="http://schemas.openxmlformats.org/officeDocument/2006/relationships" xmlns:p="http://schemas.openxmlformats.org/presentationml/2006/main">
+  <p:cSld>
+    <p:spTree>
+      <p:nvGrpSpPr>
+        <p:cNvPr id="1" name=""/>
+        <p:cNvGrpSpPr/>
+        <p:nvPr/>
+      </p:nvGrpSpPr>
+      <p:grpSpPr>
+        <a:xfrm>
+          <a:off x="0" y="0"/>
+          <a:ext cx="0" cy="0"/>
+          <a:chOff x="0" y="0"/>
+          <a:chExt cx="0" cy="0"/>
+        </a:xfrm>
+      </p:grpSpPr>
+      <p:sp>
+        <p:nvSpPr>
+          <p:cNvPr id="2" name="도형 17"/>
+          <p:cNvSpPr>
+            <a:spLocks/>
+          </p:cNvSpPr>
+          <p:nvPr/>
+        </p:nvSpPr>
+        <p:spPr>
+          <a:xfrm>
+            <a:off x="765868" y="316230"/>
+            <a:ext cx="1467068" cy="454292"/>
+          </a:xfrm>
+          <a:prstGeom prst="rect">
+            <a:avLst/>
+          </a:prstGeom>
+          <a:ln w="0">
+            <a:noFill/>
+            <a:prstDash/>
+          </a:ln>
+        </p:spPr>
+        <p:txBody>
+          <a:bodyPr vert="horz" wrap="none" lIns="91440" tIns="45720" rIns="91440" bIns="45720" numCol="1" anchor="t">
+            <a:spAutoFit/>
+          </a:bodyPr>
+          <a:lstStyle/>
+          <a:p>
+            <a:pPr marL="0" indent="0" latinLnBrk="0">
+              <a:lnSpc>
+                <a:spcPct val="150000"/>
+              </a:lnSpc>
+              <a:buFontTx/>
+              <a:buNone/>
+            </a:pPr>
+            <a:r>
+              <a:rPr lang="en-US" altLang="ko-KR" dirty="0" smtClean="0">
+                <a:solidFill>
+                  <a:schemeClr val="bg1"/>
+                </a:solidFill>
+              </a:rPr>
+              <a:t>MySQL </a:t>
+            </a:r>
+            <a:r>
+              <a:rPr lang="ko-KR" altLang="en-US" dirty="0" smtClean="0">
+                <a:solidFill>
+                  <a:schemeClr val="bg1"/>
+                </a:solidFill>
+              </a:rPr>
+              <a:t>설치</a:t>
+            </a:r>
+            <a:endParaRPr lang="ko-KR" altLang="en-US" dirty="0">
+              <a:solidFill>
+                <a:schemeClr val="bg1"/>
+              </a:solidFill>
+            </a:endParaRPr>
+          </a:p>
+        </p:txBody>
+      </p:sp>
+      <p:pic>
+        <p:nvPicPr>
+          <p:cNvPr id="3" name="그림 2"/>
+          <p:cNvPicPr>
+            <a:picLocks noChangeAspect="1"/>
+          </p:cNvPicPr>
+          <p:nvPr/>
+        </p:nvPicPr>
+        <p:blipFill>
+          <a:blip r:embed="rId2"/>
+          <a:stretch>
+            <a:fillRect/>
+          </a:stretch>
+        </p:blipFill>
+        <p:spPr>
+          <a:xfrm>
+            <a:off x="412590" y="1750308"/>
+            <a:ext cx="4257906" cy="3212390"/>
+          </a:xfrm>
+          <a:prstGeom prst="rect">
+            <a:avLst/>
+          </a:prstGeom>
+        </p:spPr>
+      </p:pic>
+      <p:pic>
+        <p:nvPicPr>
+          <p:cNvPr id="4" name="그림 3"/>
+          <p:cNvPicPr>
+            <a:picLocks noChangeAspect="1"/>
+          </p:cNvPicPr>
+          <p:nvPr/>
+        </p:nvPicPr>
+        <p:blipFill>
+          <a:blip r:embed="rId3"/>
+          <a:stretch>
+            <a:fillRect/>
+          </a:stretch>
+        </p:blipFill>
+        <p:spPr>
+          <a:xfrm>
+            <a:off x="4333253" y="1667697"/>
+            <a:ext cx="4134471" cy="3119264"/>
+          </a:xfrm>
+          <a:prstGeom prst="rect">
+            <a:avLst/>
+          </a:prstGeom>
+        </p:spPr>
+      </p:pic>
+      <p:pic>
+        <p:nvPicPr>
+          <p:cNvPr id="5" name="그림 4"/>
+          <p:cNvPicPr>
+            <a:picLocks noChangeAspect="1"/>
+          </p:cNvPicPr>
+          <p:nvPr/>
+        </p:nvPicPr>
+        <p:blipFill>
+          <a:blip r:embed="rId4"/>
+          <a:stretch>
+            <a:fillRect/>
+          </a:stretch>
+        </p:blipFill>
+        <p:spPr>
+          <a:xfrm>
+            <a:off x="7878036" y="2776450"/>
+            <a:ext cx="4145490" cy="3127577"/>
+          </a:xfrm>
+          <a:prstGeom prst="rect">
+            <a:avLst/>
+          </a:prstGeom>
+        </p:spPr>
+      </p:pic>
+      <p:sp>
+        <p:nvSpPr>
+          <p:cNvPr id="6" name="직사각형 5"/>
+          <p:cNvSpPr/>
+          <p:nvPr/>
+        </p:nvSpPr>
+        <p:spPr>
+          <a:xfrm>
+            <a:off x="3620130" y="4633176"/>
+            <a:ext cx="544546" cy="307571"/>
+          </a:xfrm>
+          <a:prstGeom prst="rect">
+            <a:avLst/>
+          </a:prstGeom>
+          <a:noFill/>
+          <a:ln w="28575">
+            <a:solidFill>
+              <a:srgbClr val="FF0000"/>
+            </a:solidFill>
+            <a:prstDash val="sysDash"/>
+          </a:ln>
+        </p:spPr>
+        <p:style>
+          <a:lnRef idx="2">
+            <a:schemeClr val="accent1">
+              <a:shade val="50000"/>
+            </a:schemeClr>
+          </a:lnRef>
+          <a:fillRef idx="1">
+            <a:schemeClr val="accent1"/>
+          </a:fillRef>
+          <a:effectRef idx="0">
+            <a:schemeClr val="accent1"/>
+          </a:effectRef>
+          <a:fontRef idx="minor">
+            <a:schemeClr val="lt1"/>
+          </a:fontRef>
+        </p:style>
+        <p:txBody>
+          <a:bodyPr rtlCol="0" anchor="ctr"/>
+          <a:lstStyle/>
+          <a:p>
+            <a:pPr algn="ctr"/>
+            <a:endParaRPr lang="ko-KR" altLang="en-US"/>
+          </a:p>
+        </p:txBody>
+      </p:sp>
+      <p:sp>
+        <p:nvSpPr>
+          <p:cNvPr id="7" name="도형 19"/>
+          <p:cNvSpPr>
+            <a:spLocks/>
+          </p:cNvSpPr>
+          <p:nvPr/>
+        </p:nvSpPr>
+        <p:spPr>
+          <a:xfrm>
+            <a:off x="423544" y="1251290"/>
+            <a:ext cx="11438717" cy="506357"/>
+          </a:xfrm>
+          <a:prstGeom prst="rect">
+            <a:avLst/>
+          </a:prstGeom>
+        </p:spPr>
+        <p:txBody>
+          <a:bodyPr vert="horz" wrap="square" lIns="91440" tIns="45720" rIns="91440" bIns="45720" numCol="1" anchor="t">
+            <a:spAutoFit/>
+          </a:bodyPr>
+          <a:lstStyle/>
+          <a:p>
+            <a:pPr latinLnBrk="0">
+              <a:lnSpc>
+                <a:spcPct val="200000"/>
+              </a:lnSpc>
+              <a:defRPr/>
+            </a:pPr>
+            <a:r>
+              <a:rPr lang="en-US" altLang="ko-KR" sz="1600" b="1" dirty="0" smtClean="0"/>
+              <a:t>- </a:t>
+            </a:r>
+            <a:r>
+              <a:rPr lang="ko-KR" altLang="en-US" sz="1600" b="1" dirty="0" smtClean="0"/>
+              <a:t>포트</a:t>
+            </a:r>
+            <a:r>
+              <a:rPr lang="en-US" altLang="ko-KR" sz="1600" b="1" dirty="0" smtClean="0"/>
+              <a:t>(Port) </a:t>
+            </a:r>
+            <a:r>
+              <a:rPr lang="ko-KR" altLang="en-US" sz="1600" b="1" dirty="0" smtClean="0"/>
+              <a:t>설정 후 </a:t>
+            </a:r>
+            <a:r>
+              <a:rPr lang="en-US" altLang="ko-KR" sz="1600" b="1" dirty="0" smtClean="0"/>
+              <a:t>Next </a:t>
+            </a:r>
+            <a:r>
+              <a:rPr lang="ko-KR" altLang="en-US" sz="1600" b="1" dirty="0" smtClean="0"/>
+              <a:t>클릭</a:t>
+            </a:r>
+            <a:r>
+              <a:rPr lang="en-US" altLang="ko-KR" sz="1600" b="1" dirty="0" smtClean="0"/>
+              <a:t>(</a:t>
+            </a:r>
+            <a:r>
+              <a:rPr lang="ko-KR" altLang="en-US" sz="1600" b="1" dirty="0" smtClean="0"/>
+              <a:t>기본 </a:t>
+            </a:r>
+            <a:r>
+              <a:rPr lang="en-US" altLang="ko-KR" sz="1600" b="1" dirty="0" smtClean="0"/>
+              <a:t>3306 </a:t>
+            </a:r>
+            <a:r>
+              <a:rPr lang="ko-KR" altLang="en-US" sz="1600" b="1" dirty="0" smtClean="0"/>
+              <a:t>사용</a:t>
+            </a:r>
+            <a:r>
+              <a:rPr lang="en-US" altLang="ko-KR" sz="1600" b="1" dirty="0" smtClean="0"/>
+              <a:t>)</a:t>
+            </a:r>
+            <a:endParaRPr lang="en-US" altLang="ko-KR" sz="1600" b="1" i="0" dirty="0" smtClean="0">
+              <a:solidFill>
+                <a:schemeClr val="tx1"/>
+              </a:solidFill>
+            </a:endParaRPr>
+          </a:p>
+        </p:txBody>
+      </p:sp>
+      <p:sp>
+        <p:nvSpPr>
+          <p:cNvPr id="8" name="직사각형 7"/>
+          <p:cNvSpPr/>
+          <p:nvPr/>
+        </p:nvSpPr>
+        <p:spPr>
+          <a:xfrm>
+            <a:off x="7388638" y="4479390"/>
+            <a:ext cx="544546" cy="307571"/>
+          </a:xfrm>
+          <a:prstGeom prst="rect">
+            <a:avLst/>
+          </a:prstGeom>
+          <a:noFill/>
+          <a:ln w="28575">
+            <a:solidFill>
+              <a:srgbClr val="FF0000"/>
+            </a:solidFill>
+            <a:prstDash val="sysDash"/>
+          </a:ln>
+        </p:spPr>
+        <p:style>
+          <a:lnRef idx="2">
+            <a:schemeClr val="accent1">
+              <a:shade val="50000"/>
+            </a:schemeClr>
+          </a:lnRef>
+          <a:fillRef idx="1">
+            <a:schemeClr val="accent1"/>
+          </a:fillRef>
+          <a:effectRef idx="0">
+            <a:schemeClr val="accent1"/>
+          </a:effectRef>
+          <a:fontRef idx="minor">
+            <a:schemeClr val="lt1"/>
+          </a:fontRef>
+        </p:style>
+        <p:txBody>
+          <a:bodyPr rtlCol="0" anchor="ctr"/>
+          <a:lstStyle/>
+          <a:p>
+            <a:pPr algn="ctr"/>
+            <a:endParaRPr lang="ko-KR" altLang="en-US"/>
+          </a:p>
+        </p:txBody>
+      </p:sp>
+      <p:sp>
+        <p:nvSpPr>
+          <p:cNvPr id="9" name="직사각형 8"/>
+          <p:cNvSpPr/>
+          <p:nvPr/>
+        </p:nvSpPr>
+        <p:spPr>
+          <a:xfrm>
+            <a:off x="10974195" y="5596456"/>
+            <a:ext cx="544546" cy="307571"/>
+          </a:xfrm>
+          <a:prstGeom prst="rect">
+            <a:avLst/>
+          </a:prstGeom>
+          <a:noFill/>
+          <a:ln w="28575">
+            <a:solidFill>
+              <a:srgbClr val="FF0000"/>
+            </a:solidFill>
+            <a:prstDash val="sysDash"/>
+          </a:ln>
+        </p:spPr>
+        <p:style>
+          <a:lnRef idx="2">
+            <a:schemeClr val="accent1">
+              <a:shade val="50000"/>
+            </a:schemeClr>
+          </a:lnRef>
+          <a:fillRef idx="1">
+            <a:schemeClr val="accent1"/>
+          </a:fillRef>
+          <a:effectRef idx="0">
+            <a:schemeClr val="accent1"/>
+          </a:effectRef>
+          <a:fontRef idx="minor">
+            <a:schemeClr val="lt1"/>
+          </a:fontRef>
+        </p:style>
+        <p:txBody>
+          <a:bodyPr rtlCol="0" anchor="ctr"/>
+          <a:lstStyle/>
+          <a:p>
+            <a:pPr algn="ctr"/>
+            <a:endParaRPr lang="ko-KR" altLang="en-US"/>
+          </a:p>
+        </p:txBody>
+      </p:sp>
+      <p:sp>
+        <p:nvSpPr>
+          <p:cNvPr id="10" name="도형 19"/>
+          <p:cNvSpPr>
+            <a:spLocks/>
+          </p:cNvSpPr>
+          <p:nvPr/>
+        </p:nvSpPr>
+        <p:spPr>
+          <a:xfrm>
+            <a:off x="4810254" y="4670310"/>
+            <a:ext cx="6528261" cy="506357"/>
+          </a:xfrm>
+          <a:prstGeom prst="rect">
+            <a:avLst/>
+          </a:prstGeom>
+        </p:spPr>
+        <p:txBody>
+          <a:bodyPr vert="horz" wrap="square" lIns="91440" tIns="45720" rIns="91440" bIns="45720" numCol="1" anchor="t">
+            <a:spAutoFit/>
+          </a:bodyPr>
+          <a:lstStyle/>
+          <a:p>
+            <a:pPr latinLnBrk="0">
+              <a:lnSpc>
+                <a:spcPct val="200000"/>
+              </a:lnSpc>
+              <a:defRPr/>
+            </a:pPr>
+            <a:r>
+              <a:rPr lang="en-US" altLang="ko-KR" sz="1600" b="1" dirty="0" smtClean="0"/>
+              <a:t>- Next </a:t>
+            </a:r>
+            <a:r>
+              <a:rPr lang="ko-KR" altLang="en-US" sz="1600" b="1" dirty="0" smtClean="0"/>
+              <a:t>클릭</a:t>
+            </a:r>
+            <a:r>
+              <a:rPr lang="en-US" altLang="ko-KR" sz="1600" b="1" dirty="0" smtClean="0"/>
+              <a:t>(</a:t>
+            </a:r>
+            <a:r>
+              <a:rPr lang="ko-KR" altLang="en-US" sz="1600" b="1" dirty="0" smtClean="0"/>
+              <a:t>암호화 관련</a:t>
+            </a:r>
+            <a:r>
+              <a:rPr lang="en-US" altLang="ko-KR" sz="1600" b="1" dirty="0" smtClean="0"/>
+              <a:t>)</a:t>
+            </a:r>
+            <a:endParaRPr lang="en-US" altLang="ko-KR" sz="1600" b="1" i="0" dirty="0" smtClean="0">
+              <a:solidFill>
+                <a:schemeClr val="tx1"/>
+              </a:solidFill>
+            </a:endParaRPr>
+          </a:p>
+        </p:txBody>
+      </p:sp>
+      <p:sp>
+        <p:nvSpPr>
+          <p:cNvPr id="11" name="도형 19"/>
+          <p:cNvSpPr>
+            <a:spLocks/>
+          </p:cNvSpPr>
+          <p:nvPr/>
+        </p:nvSpPr>
+        <p:spPr>
+          <a:xfrm>
+            <a:off x="7878037" y="5983544"/>
+            <a:ext cx="4145490" cy="584775"/>
+          </a:xfrm>
+          <a:prstGeom prst="rect">
+            <a:avLst/>
+          </a:prstGeom>
+        </p:spPr>
+        <p:txBody>
+          <a:bodyPr vert="horz" wrap="square" lIns="91440" tIns="45720" rIns="91440" bIns="45720" numCol="1" anchor="t">
+            <a:spAutoFit/>
+          </a:bodyPr>
+          <a:lstStyle/>
+          <a:p>
+            <a:pPr latinLnBrk="0">
+              <a:lnSpc>
+                <a:spcPct val="200000"/>
+              </a:lnSpc>
+              <a:defRPr/>
+            </a:pPr>
+            <a:r>
+              <a:rPr lang="en-US" altLang="ko-KR" sz="1600" b="1" dirty="0" smtClean="0"/>
+              <a:t>- </a:t>
+            </a:r>
+            <a:r>
+              <a:rPr lang="ko-KR" altLang="en-US" sz="1600" b="1" dirty="0" smtClean="0"/>
+              <a:t>신규 패스워드 입력 후 </a:t>
+            </a:r>
+            <a:r>
+              <a:rPr lang="en-US" altLang="ko-KR" sz="1600" b="1" dirty="0" smtClean="0"/>
+              <a:t>Next </a:t>
+            </a:r>
+            <a:r>
+              <a:rPr lang="ko-KR" altLang="en-US" sz="1600" b="1" dirty="0" smtClean="0"/>
+              <a:t>클릭</a:t>
+            </a:r>
+            <a:endParaRPr lang="en-US" altLang="ko-KR" sz="1600" b="1" i="0" dirty="0" smtClean="0">
+              <a:solidFill>
+                <a:schemeClr val="tx1"/>
+              </a:solidFill>
+            </a:endParaRPr>
+          </a:p>
+        </p:txBody>
+      </p:sp>
+    </p:spTree>
+    <p:extLst>
+      <p:ext uri="{BB962C8B-B14F-4D97-AF65-F5344CB8AC3E}">
+        <p14:creationId xmlns:p14="http://schemas.microsoft.com/office/powerpoint/2010/main" val="1807647145"/>
+      </p:ext>
+    </p:extLst>
+  </p:cSld>
+  <p:clrMapOvr>
+    <a:masterClrMapping/>
+  </p:clrMapOvr>
+</p:sld>
+</file>
+
+<file path=ppt/slides/slide11.xml><?xml version="1.0" encoding="utf-8"?>
+<p:sld xmlns:a="http://schemas.openxmlformats.org/drawingml/2006/main" xmlns:r="http://schemas.openxmlformats.org/officeDocument/2006/relationships" xmlns:p="http://schemas.openxmlformats.org/presentationml/2006/main">
+  <p:cSld>
+    <p:spTree>
+      <p:nvGrpSpPr>
+        <p:cNvPr id="1" name=""/>
+        <p:cNvGrpSpPr/>
+        <p:nvPr/>
+      </p:nvGrpSpPr>
+      <p:grpSpPr>
+        <a:xfrm>
+          <a:off x="0" y="0"/>
+          <a:ext cx="0" cy="0"/>
+          <a:chOff x="0" y="0"/>
+          <a:chExt cx="0" cy="0"/>
+        </a:xfrm>
+      </p:grpSpPr>
+      <p:sp>
+        <p:nvSpPr>
+          <p:cNvPr id="2" name="도형 17"/>
+          <p:cNvSpPr>
+            <a:spLocks/>
+          </p:cNvSpPr>
+          <p:nvPr/>
+        </p:nvSpPr>
+        <p:spPr>
+          <a:xfrm>
+            <a:off x="765868" y="316230"/>
+            <a:ext cx="1467068" cy="454292"/>
+          </a:xfrm>
+          <a:prstGeom prst="rect">
+            <a:avLst/>
+          </a:prstGeom>
+          <a:ln w="0">
+            <a:noFill/>
+            <a:prstDash/>
+          </a:ln>
+        </p:spPr>
+        <p:txBody>
+          <a:bodyPr vert="horz" wrap="none" lIns="91440" tIns="45720" rIns="91440" bIns="45720" numCol="1" anchor="t">
+            <a:spAutoFit/>
+          </a:bodyPr>
+          <a:lstStyle/>
+          <a:p>
+            <a:pPr marL="0" indent="0" latinLnBrk="0">
+              <a:lnSpc>
+                <a:spcPct val="150000"/>
+              </a:lnSpc>
+              <a:buFontTx/>
+              <a:buNone/>
+            </a:pPr>
+            <a:r>
+              <a:rPr lang="en-US" altLang="ko-KR" dirty="0" smtClean="0">
+                <a:solidFill>
+                  <a:schemeClr val="bg1"/>
+                </a:solidFill>
+              </a:rPr>
+              <a:t>MySQL </a:t>
+            </a:r>
+            <a:r>
+              <a:rPr lang="ko-KR" altLang="en-US" dirty="0" smtClean="0">
+                <a:solidFill>
+                  <a:schemeClr val="bg1"/>
+                </a:solidFill>
+              </a:rPr>
+              <a:t>설치</a:t>
+            </a:r>
+            <a:endParaRPr lang="ko-KR" altLang="en-US" dirty="0">
+              <a:solidFill>
+                <a:schemeClr val="bg1"/>
+              </a:solidFill>
+            </a:endParaRPr>
+          </a:p>
+        </p:txBody>
+      </p:sp>
+      <p:pic>
+        <p:nvPicPr>
+          <p:cNvPr id="4" name="그림 3"/>
+          <p:cNvPicPr>
+            <a:picLocks noChangeAspect="1"/>
+          </p:cNvPicPr>
+          <p:nvPr/>
+        </p:nvPicPr>
+        <p:blipFill>
+          <a:blip r:embed="rId2"/>
+          <a:stretch>
+            <a:fillRect/>
+          </a:stretch>
+        </p:blipFill>
+        <p:spPr>
+          <a:xfrm>
+            <a:off x="582988" y="2013832"/>
+            <a:ext cx="4404436" cy="3322940"/>
+          </a:xfrm>
+          <a:prstGeom prst="rect">
+            <a:avLst/>
+          </a:prstGeom>
+        </p:spPr>
+      </p:pic>
+      <p:pic>
+        <p:nvPicPr>
+          <p:cNvPr id="5" name="그림 4"/>
+          <p:cNvPicPr>
+            <a:picLocks noChangeAspect="1"/>
+          </p:cNvPicPr>
+          <p:nvPr/>
+        </p:nvPicPr>
+        <p:blipFill>
+          <a:blip r:embed="rId3"/>
+          <a:stretch>
+            <a:fillRect/>
+          </a:stretch>
+        </p:blipFill>
+        <p:spPr>
+          <a:xfrm>
+            <a:off x="4922518" y="2477194"/>
+            <a:ext cx="4442981" cy="3352020"/>
+          </a:xfrm>
+          <a:prstGeom prst="rect">
+            <a:avLst/>
+          </a:prstGeom>
+        </p:spPr>
+      </p:pic>
+      <p:sp>
+        <p:nvSpPr>
+          <p:cNvPr id="6" name="도형 19"/>
+          <p:cNvSpPr>
+            <a:spLocks/>
+          </p:cNvSpPr>
+          <p:nvPr/>
+        </p:nvSpPr>
+        <p:spPr>
+          <a:xfrm>
+            <a:off x="423544" y="1251290"/>
+            <a:ext cx="11438717" cy="584775"/>
+          </a:xfrm>
+          <a:prstGeom prst="rect">
+            <a:avLst/>
+          </a:prstGeom>
+        </p:spPr>
+        <p:txBody>
+          <a:bodyPr vert="horz" wrap="square" lIns="91440" tIns="45720" rIns="91440" bIns="45720" numCol="1" anchor="t">
+            <a:spAutoFit/>
+          </a:bodyPr>
+          <a:lstStyle/>
+          <a:p>
+            <a:pPr latinLnBrk="0">
+              <a:lnSpc>
+                <a:spcPct val="200000"/>
+              </a:lnSpc>
+              <a:defRPr/>
+            </a:pPr>
+            <a:r>
+              <a:rPr lang="en-US" altLang="ko-KR" sz="1600" b="1" dirty="0" smtClean="0"/>
+              <a:t>-</a:t>
+            </a:r>
+            <a:r>
+              <a:rPr lang="ko-KR" altLang="en-US" sz="1600" b="1" dirty="0" smtClean="0"/>
+              <a:t>사용될 데이터베이스 이름을 변경 후 </a:t>
+            </a:r>
+            <a:r>
+              <a:rPr lang="en-US" altLang="ko-KR" sz="1600" b="1" dirty="0" smtClean="0"/>
+              <a:t>Next </a:t>
+            </a:r>
+            <a:r>
+              <a:rPr lang="ko-KR" altLang="en-US" sz="1600" b="1" dirty="0" smtClean="0"/>
+              <a:t>클릭</a:t>
+            </a:r>
+            <a:r>
+              <a:rPr lang="en-US" altLang="ko-KR" sz="1600" b="1" dirty="0" smtClean="0"/>
+              <a:t>(MySQL80 </a:t>
+            </a:r>
+            <a:r>
+              <a:rPr lang="ko-KR" altLang="en-US" sz="1600" b="1" dirty="0" smtClean="0"/>
+              <a:t>그대로 사용하여도 됨</a:t>
+            </a:r>
+            <a:r>
+              <a:rPr lang="en-US" altLang="ko-KR" sz="1600" b="1" dirty="0" smtClean="0"/>
+              <a:t>.)</a:t>
+            </a:r>
+            <a:endParaRPr lang="en-US" altLang="ko-KR" sz="1600" b="1" i="0" dirty="0" smtClean="0">
+              <a:solidFill>
+                <a:schemeClr val="tx1"/>
+              </a:solidFill>
+            </a:endParaRPr>
+          </a:p>
+        </p:txBody>
+      </p:sp>
+      <p:sp>
+        <p:nvSpPr>
+          <p:cNvPr id="7" name="도형 19"/>
+          <p:cNvSpPr>
+            <a:spLocks/>
+          </p:cNvSpPr>
+          <p:nvPr/>
+        </p:nvSpPr>
+        <p:spPr>
+          <a:xfrm>
+            <a:off x="5165874" y="2013832"/>
+            <a:ext cx="4758056" cy="506357"/>
+          </a:xfrm>
+          <a:prstGeom prst="rect">
+            <a:avLst/>
+          </a:prstGeom>
+        </p:spPr>
+        <p:txBody>
+          <a:bodyPr vert="horz" wrap="square" lIns="91440" tIns="45720" rIns="91440" bIns="45720" numCol="1" anchor="t">
+            <a:spAutoFit/>
+          </a:bodyPr>
+          <a:lstStyle/>
+          <a:p>
+            <a:pPr latinLnBrk="0">
+              <a:lnSpc>
+                <a:spcPct val="200000"/>
+              </a:lnSpc>
+              <a:defRPr/>
+            </a:pPr>
+            <a:r>
+              <a:rPr lang="en-US" altLang="ko-KR" sz="1600" b="1" dirty="0" smtClean="0"/>
+              <a:t>- </a:t>
+            </a:r>
+            <a:r>
+              <a:rPr lang="ko-KR" altLang="en-US" sz="1600" b="1" dirty="0" smtClean="0"/>
+              <a:t>최종 설정을 위해 </a:t>
+            </a:r>
+            <a:r>
+              <a:rPr lang="en-US" altLang="ko-KR" sz="1600" b="1" dirty="0" smtClean="0"/>
+              <a:t>Execute </a:t>
+            </a:r>
+            <a:r>
+              <a:rPr lang="ko-KR" altLang="en-US" sz="1600" b="1" dirty="0" smtClean="0"/>
+              <a:t>실행</a:t>
+            </a:r>
+            <a:endParaRPr lang="en-US" altLang="ko-KR" sz="1600" b="1" i="0" dirty="0" smtClean="0">
+              <a:solidFill>
+                <a:schemeClr val="tx1"/>
+              </a:solidFill>
+            </a:endParaRPr>
+          </a:p>
+        </p:txBody>
+      </p:sp>
+    </p:spTree>
+    <p:extLst>
+      <p:ext uri="{BB962C8B-B14F-4D97-AF65-F5344CB8AC3E}">
+        <p14:creationId xmlns:p14="http://schemas.microsoft.com/office/powerpoint/2010/main" val="513111288"/>
+      </p:ext>
+    </p:extLst>
+  </p:cSld>
+  <p:clrMapOvr>
+    <a:masterClrMapping/>
+  </p:clrMapOvr>
+</p:sld>
+</file>
+
+<file path=ppt/slides/slide12.xml><?xml version="1.0" encoding="utf-8"?>
+<p:sld xmlns:a="http://schemas.openxmlformats.org/drawingml/2006/main" xmlns:r="http://schemas.openxmlformats.org/officeDocument/2006/relationships" xmlns:p="http://schemas.openxmlformats.org/presentationml/2006/main">
+  <p:cSld>
+    <p:spTree>
+      <p:nvGrpSpPr>
+        <p:cNvPr id="1" name=""/>
+        <p:cNvGrpSpPr/>
+        <p:nvPr/>
+      </p:nvGrpSpPr>
+      <p:grpSpPr>
+        <a:xfrm>
+          <a:off x="0" y="0"/>
+          <a:ext cx="0" cy="0"/>
+          <a:chOff x="0" y="0"/>
+          <a:chExt cx="0" cy="0"/>
+        </a:xfrm>
+      </p:grpSpPr>
+      <p:sp>
+        <p:nvSpPr>
+          <p:cNvPr id="2" name="도형 17"/>
+          <p:cNvSpPr>
+            <a:spLocks/>
+          </p:cNvSpPr>
+          <p:nvPr/>
+        </p:nvSpPr>
+        <p:spPr>
+          <a:xfrm>
+            <a:off x="765868" y="316230"/>
+            <a:ext cx="1467068" cy="454292"/>
+          </a:xfrm>
+          <a:prstGeom prst="rect">
+            <a:avLst/>
+          </a:prstGeom>
+          <a:ln w="0">
+            <a:noFill/>
+            <a:prstDash/>
+          </a:ln>
+        </p:spPr>
+        <p:txBody>
+          <a:bodyPr vert="horz" wrap="none" lIns="91440" tIns="45720" rIns="91440" bIns="45720" numCol="1" anchor="t">
+            <a:spAutoFit/>
+          </a:bodyPr>
+          <a:lstStyle/>
+          <a:p>
+            <a:pPr marL="0" indent="0" latinLnBrk="0">
+              <a:lnSpc>
+                <a:spcPct val="150000"/>
+              </a:lnSpc>
+              <a:buFontTx/>
+              <a:buNone/>
+            </a:pPr>
+            <a:r>
+              <a:rPr lang="en-US" altLang="ko-KR" dirty="0" smtClean="0">
+                <a:solidFill>
+                  <a:schemeClr val="bg1"/>
+                </a:solidFill>
+              </a:rPr>
+              <a:t>MySQL </a:t>
+            </a:r>
+            <a:r>
+              <a:rPr lang="ko-KR" altLang="en-US" dirty="0" smtClean="0">
+                <a:solidFill>
+                  <a:schemeClr val="bg1"/>
+                </a:solidFill>
+              </a:rPr>
+              <a:t>설치</a:t>
+            </a:r>
+            <a:endParaRPr lang="ko-KR" altLang="en-US" dirty="0">
+              <a:solidFill>
+                <a:schemeClr val="bg1"/>
+              </a:solidFill>
+            </a:endParaRPr>
+          </a:p>
+        </p:txBody>
+      </p:sp>
+      <p:pic>
+        <p:nvPicPr>
+          <p:cNvPr id="3" name="그림 2"/>
+          <p:cNvPicPr>
+            <a:picLocks noChangeAspect="1"/>
+          </p:cNvPicPr>
+          <p:nvPr/>
+        </p:nvPicPr>
+        <p:blipFill>
+          <a:blip r:embed="rId2"/>
+          <a:stretch>
+            <a:fillRect/>
+          </a:stretch>
+        </p:blipFill>
+        <p:spPr>
+          <a:xfrm>
+            <a:off x="405044" y="2026025"/>
+            <a:ext cx="4521621" cy="3411350"/>
+          </a:xfrm>
+          <a:prstGeom prst="rect">
+            <a:avLst/>
+          </a:prstGeom>
+        </p:spPr>
+      </p:pic>
+      <p:pic>
+        <p:nvPicPr>
+          <p:cNvPr id="4" name="그림 3"/>
+          <p:cNvPicPr>
+            <a:picLocks noChangeAspect="1"/>
+          </p:cNvPicPr>
+          <p:nvPr/>
+        </p:nvPicPr>
+        <p:blipFill>
+          <a:blip r:embed="rId3"/>
+          <a:stretch>
+            <a:fillRect/>
+          </a:stretch>
+        </p:blipFill>
+        <p:spPr>
+          <a:xfrm>
+            <a:off x="3232336" y="1173369"/>
+            <a:ext cx="4787154" cy="3611682"/>
+          </a:xfrm>
+          <a:prstGeom prst="rect">
+            <a:avLst/>
+          </a:prstGeom>
+        </p:spPr>
+      </p:pic>
+      <p:pic>
+        <p:nvPicPr>
+          <p:cNvPr id="5" name="그림 4"/>
+          <p:cNvPicPr>
+            <a:picLocks noChangeAspect="1"/>
+          </p:cNvPicPr>
+          <p:nvPr/>
+        </p:nvPicPr>
+        <p:blipFill>
+          <a:blip r:embed="rId4"/>
+          <a:stretch>
+            <a:fillRect/>
+          </a:stretch>
+        </p:blipFill>
+        <p:spPr>
+          <a:xfrm>
+            <a:off x="7347068" y="2779058"/>
+            <a:ext cx="4581033" cy="3456174"/>
+          </a:xfrm>
+          <a:prstGeom prst="rect">
+            <a:avLst/>
+          </a:prstGeom>
+        </p:spPr>
+      </p:pic>
+      <p:sp>
+        <p:nvSpPr>
+          <p:cNvPr id="8" name="도형 19"/>
+          <p:cNvSpPr>
+            <a:spLocks/>
+          </p:cNvSpPr>
+          <p:nvPr/>
+        </p:nvSpPr>
+        <p:spPr>
+          <a:xfrm>
+            <a:off x="423544" y="1251290"/>
+            <a:ext cx="3978127" cy="584775"/>
+          </a:xfrm>
+          <a:prstGeom prst="rect">
+            <a:avLst/>
+          </a:prstGeom>
+        </p:spPr>
+        <p:txBody>
+          <a:bodyPr vert="horz" wrap="square" lIns="91440" tIns="45720" rIns="91440" bIns="45720" numCol="1" anchor="t">
+            <a:spAutoFit/>
+          </a:bodyPr>
+          <a:lstStyle/>
+          <a:p>
+            <a:pPr latinLnBrk="0">
+              <a:lnSpc>
+                <a:spcPct val="200000"/>
+              </a:lnSpc>
+              <a:defRPr/>
+            </a:pPr>
+            <a:r>
+              <a:rPr lang="en-US" altLang="ko-KR" sz="1600" b="1" dirty="0" smtClean="0"/>
+              <a:t>- </a:t>
+            </a:r>
+            <a:r>
+              <a:rPr lang="ko-KR" altLang="en-US" sz="1600" b="1" dirty="0" smtClean="0"/>
+              <a:t>구성에 대한 </a:t>
+            </a:r>
+            <a:r>
+              <a:rPr lang="en-US" altLang="ko-KR" sz="1600" b="1" dirty="0" smtClean="0"/>
+              <a:t>Finish </a:t>
+            </a:r>
+            <a:r>
+              <a:rPr lang="ko-KR" altLang="en-US" sz="1600" b="1" dirty="0" smtClean="0"/>
+              <a:t>클릭</a:t>
+            </a:r>
+            <a:endParaRPr lang="en-US" altLang="ko-KR" sz="1600" b="1" i="0" dirty="0" smtClean="0">
+              <a:solidFill>
+                <a:schemeClr val="tx1"/>
+              </a:solidFill>
+            </a:endParaRPr>
+          </a:p>
+        </p:txBody>
+      </p:sp>
+      <p:sp>
+        <p:nvSpPr>
+          <p:cNvPr id="9" name="직사각형 8"/>
+          <p:cNvSpPr/>
+          <p:nvPr/>
+        </p:nvSpPr>
+        <p:spPr>
+          <a:xfrm>
+            <a:off x="4281563" y="5129804"/>
+            <a:ext cx="544546" cy="307571"/>
+          </a:xfrm>
+          <a:prstGeom prst="rect">
+            <a:avLst/>
+          </a:prstGeom>
+          <a:noFill/>
+          <a:ln w="28575">
+            <a:solidFill>
+              <a:srgbClr val="FF0000"/>
+            </a:solidFill>
+            <a:prstDash val="sysDash"/>
+          </a:ln>
+        </p:spPr>
+        <p:style>
+          <a:lnRef idx="2">
+            <a:schemeClr val="accent1">
+              <a:shade val="50000"/>
+            </a:schemeClr>
+          </a:lnRef>
+          <a:fillRef idx="1">
+            <a:schemeClr val="accent1"/>
+          </a:fillRef>
+          <a:effectRef idx="0">
+            <a:schemeClr val="accent1"/>
+          </a:effectRef>
+          <a:fontRef idx="minor">
+            <a:schemeClr val="lt1"/>
+          </a:fontRef>
+        </p:style>
+        <p:txBody>
+          <a:bodyPr rtlCol="0" anchor="ctr"/>
+          <a:lstStyle/>
+          <a:p>
+            <a:pPr algn="ctr"/>
+            <a:endParaRPr lang="ko-KR" altLang="en-US"/>
+          </a:p>
+        </p:txBody>
+      </p:sp>
+      <p:sp>
+        <p:nvSpPr>
+          <p:cNvPr id="10" name="직사각형 9"/>
+          <p:cNvSpPr/>
+          <p:nvPr/>
+        </p:nvSpPr>
+        <p:spPr>
+          <a:xfrm>
+            <a:off x="6796655" y="4477480"/>
+            <a:ext cx="544546" cy="307571"/>
+          </a:xfrm>
+          <a:prstGeom prst="rect">
+            <a:avLst/>
+          </a:prstGeom>
+          <a:noFill/>
+          <a:ln w="28575">
+            <a:solidFill>
+              <a:srgbClr val="FF0000"/>
+            </a:solidFill>
+            <a:prstDash val="sysDash"/>
+          </a:ln>
+        </p:spPr>
+        <p:style>
+          <a:lnRef idx="2">
+            <a:schemeClr val="accent1">
+              <a:shade val="50000"/>
+            </a:schemeClr>
+          </a:lnRef>
+          <a:fillRef idx="1">
+            <a:schemeClr val="accent1"/>
+          </a:fillRef>
+          <a:effectRef idx="0">
+            <a:schemeClr val="accent1"/>
+          </a:effectRef>
+          <a:fontRef idx="minor">
+            <a:schemeClr val="lt1"/>
+          </a:fontRef>
+        </p:style>
+        <p:txBody>
+          <a:bodyPr rtlCol="0" anchor="ctr"/>
+          <a:lstStyle/>
+          <a:p>
+            <a:pPr algn="ctr"/>
+            <a:endParaRPr lang="ko-KR" altLang="en-US"/>
+          </a:p>
+        </p:txBody>
+      </p:sp>
+      <p:sp>
+        <p:nvSpPr>
+          <p:cNvPr id="11" name="직사각형 10"/>
+          <p:cNvSpPr/>
+          <p:nvPr/>
+        </p:nvSpPr>
+        <p:spPr>
+          <a:xfrm>
+            <a:off x="10776984" y="5927661"/>
+            <a:ext cx="544546" cy="307571"/>
+          </a:xfrm>
+          <a:prstGeom prst="rect">
+            <a:avLst/>
+          </a:prstGeom>
+          <a:noFill/>
+          <a:ln w="28575">
+            <a:solidFill>
+              <a:srgbClr val="FF0000"/>
+            </a:solidFill>
+            <a:prstDash val="sysDash"/>
+          </a:ln>
+        </p:spPr>
+        <p:style>
+          <a:lnRef idx="2">
+            <a:schemeClr val="accent1">
+              <a:shade val="50000"/>
+            </a:schemeClr>
+          </a:lnRef>
+          <a:fillRef idx="1">
+            <a:schemeClr val="accent1"/>
+          </a:fillRef>
+          <a:effectRef idx="0">
+            <a:schemeClr val="accent1"/>
+          </a:effectRef>
+          <a:fontRef idx="minor">
+            <a:schemeClr val="lt1"/>
+          </a:fontRef>
+        </p:style>
+        <p:txBody>
+          <a:bodyPr rtlCol="0" anchor="ctr"/>
+          <a:lstStyle/>
+          <a:p>
+            <a:pPr algn="ctr"/>
+            <a:endParaRPr lang="ko-KR" altLang="en-US"/>
+          </a:p>
+        </p:txBody>
+      </p:sp>
+      <p:sp>
+        <p:nvSpPr>
+          <p:cNvPr id="12" name="도형 19"/>
+          <p:cNvSpPr>
+            <a:spLocks/>
+          </p:cNvSpPr>
+          <p:nvPr/>
+        </p:nvSpPr>
+        <p:spPr>
+          <a:xfrm>
+            <a:off x="4726603" y="3134191"/>
+            <a:ext cx="3978127" cy="506357"/>
+          </a:xfrm>
+          <a:prstGeom prst="rect">
+            <a:avLst/>
+          </a:prstGeom>
+        </p:spPr>
+        <p:txBody>
+          <a:bodyPr vert="horz" wrap="square" lIns="91440" tIns="45720" rIns="91440" bIns="45720" numCol="1" anchor="t">
+            <a:spAutoFit/>
+          </a:bodyPr>
+          <a:lstStyle/>
+          <a:p>
+            <a:pPr latinLnBrk="0">
+              <a:lnSpc>
+                <a:spcPct val="200000"/>
+              </a:lnSpc>
+              <a:defRPr/>
+            </a:pPr>
+            <a:r>
+              <a:rPr lang="en-US" altLang="ko-KR" sz="1600" b="1" smtClean="0"/>
+              <a:t>- </a:t>
+            </a:r>
+            <a:r>
+              <a:rPr lang="en-US" altLang="ko-KR" sz="1600" b="1" smtClean="0"/>
+              <a:t>Next </a:t>
+            </a:r>
+            <a:r>
+              <a:rPr lang="ko-KR" altLang="en-US" sz="1600" b="1" dirty="0" smtClean="0"/>
+              <a:t>클릭</a:t>
+            </a:r>
+            <a:endParaRPr lang="en-US" altLang="ko-KR" sz="1600" b="1" i="0" dirty="0" smtClean="0">
+              <a:solidFill>
+                <a:schemeClr val="tx1"/>
+              </a:solidFill>
+            </a:endParaRPr>
+          </a:p>
+        </p:txBody>
+      </p:sp>
+      <p:sp>
+        <p:nvSpPr>
+          <p:cNvPr id="13" name="도형 19"/>
+          <p:cNvSpPr>
+            <a:spLocks/>
+          </p:cNvSpPr>
+          <p:nvPr/>
+        </p:nvSpPr>
+        <p:spPr>
+          <a:xfrm>
+            <a:off x="8857130" y="6081446"/>
+            <a:ext cx="3070971" cy="584775"/>
+          </a:xfrm>
+          <a:prstGeom prst="rect">
+            <a:avLst/>
+          </a:prstGeom>
+        </p:spPr>
+        <p:txBody>
+          <a:bodyPr vert="horz" wrap="square" lIns="91440" tIns="45720" rIns="91440" bIns="45720" numCol="1" anchor="t">
+            <a:spAutoFit/>
+          </a:bodyPr>
+          <a:lstStyle/>
+          <a:p>
+            <a:pPr latinLnBrk="0">
+              <a:lnSpc>
+                <a:spcPct val="200000"/>
+              </a:lnSpc>
+              <a:defRPr/>
+            </a:pPr>
+            <a:r>
+              <a:rPr lang="en-US" altLang="ko-KR" sz="1600" b="1" dirty="0" smtClean="0"/>
+              <a:t>- </a:t>
+            </a:r>
+            <a:r>
+              <a:rPr lang="en-US" altLang="ko-KR" sz="1600" b="1" dirty="0" smtClean="0"/>
+              <a:t>Router </a:t>
+            </a:r>
+            <a:r>
+              <a:rPr lang="ko-KR" altLang="en-US" sz="1600" b="1" dirty="0" smtClean="0"/>
+              <a:t>구성 </a:t>
+            </a:r>
+            <a:r>
+              <a:rPr lang="en-US" altLang="ko-KR" sz="1600" b="1" dirty="0" smtClean="0"/>
+              <a:t>Finish </a:t>
+            </a:r>
+            <a:r>
+              <a:rPr lang="ko-KR" altLang="en-US" sz="1600" b="1" dirty="0" smtClean="0"/>
+              <a:t>클릭</a:t>
+            </a:r>
+            <a:endParaRPr lang="en-US" altLang="ko-KR" sz="1600" b="1" i="0" dirty="0" smtClean="0">
+              <a:solidFill>
+                <a:schemeClr val="tx1"/>
+              </a:solidFill>
+            </a:endParaRPr>
+          </a:p>
+        </p:txBody>
+      </p:sp>
+    </p:spTree>
+    <p:extLst>
+      <p:ext uri="{BB962C8B-B14F-4D97-AF65-F5344CB8AC3E}">
+        <p14:creationId xmlns:p14="http://schemas.microsoft.com/office/powerpoint/2010/main" val="2471474685"/>
+      </p:ext>
+    </p:extLst>
+  </p:cSld>
+  <p:clrMapOvr>
+    <a:masterClrMapping/>
+  </p:clrMapOvr>
+</p:sld>
+</file>
+
+<file path=ppt/slides/slide13.xml><?xml version="1.0" encoding="utf-8"?>
+<p:sld xmlns:a="http://schemas.openxmlformats.org/drawingml/2006/main" xmlns:r="http://schemas.openxmlformats.org/officeDocument/2006/relationships" xmlns:p="http://schemas.openxmlformats.org/presentationml/2006/main">
+  <p:cSld>
+    <p:spTree>
+      <p:nvGrpSpPr>
+        <p:cNvPr id="1" name=""/>
+        <p:cNvGrpSpPr/>
+        <p:nvPr/>
+      </p:nvGrpSpPr>
+      <p:grpSpPr>
+        <a:xfrm>
+          <a:off x="0" y="0"/>
+          <a:ext cx="0" cy="0"/>
+          <a:chOff x="0" y="0"/>
+          <a:chExt cx="0" cy="0"/>
+        </a:xfrm>
+      </p:grpSpPr>
+      <p:pic>
+        <p:nvPicPr>
+          <p:cNvPr id="2" name="그림 1"/>
+          <p:cNvPicPr>
+            <a:picLocks noChangeAspect="1"/>
+          </p:cNvPicPr>
+          <p:nvPr/>
+        </p:nvPicPr>
+        <p:blipFill>
+          <a:blip r:embed="rId2"/>
+          <a:stretch>
+            <a:fillRect/>
+          </a:stretch>
+        </p:blipFill>
+        <p:spPr>
+          <a:xfrm>
+            <a:off x="460949" y="2132982"/>
+            <a:ext cx="4406962" cy="3324845"/>
+          </a:xfrm>
+          <a:prstGeom prst="rect">
+            <a:avLst/>
+          </a:prstGeom>
+        </p:spPr>
+      </p:pic>
+      <p:pic>
+        <p:nvPicPr>
+          <p:cNvPr id="4" name="그림 3"/>
+          <p:cNvPicPr>
+            <a:picLocks noChangeAspect="1"/>
+          </p:cNvPicPr>
+          <p:nvPr/>
+        </p:nvPicPr>
+        <p:blipFill>
+          <a:blip r:embed="rId3"/>
+          <a:stretch>
+            <a:fillRect/>
+          </a:stretch>
+        </p:blipFill>
+        <p:spPr>
+          <a:xfrm>
+            <a:off x="885060" y="2681148"/>
+            <a:ext cx="4810125" cy="3629013"/>
+          </a:xfrm>
+          <a:prstGeom prst="rect">
+            <a:avLst/>
+          </a:prstGeom>
+        </p:spPr>
+      </p:pic>
+      <p:pic>
+        <p:nvPicPr>
+          <p:cNvPr id="5" name="그림 4"/>
+          <p:cNvPicPr>
+            <a:picLocks noChangeAspect="1"/>
+          </p:cNvPicPr>
+          <p:nvPr/>
+        </p:nvPicPr>
+        <p:blipFill>
+          <a:blip r:embed="rId4"/>
+          <a:stretch>
+            <a:fillRect/>
+          </a:stretch>
+        </p:blipFill>
+        <p:spPr>
+          <a:xfrm>
+            <a:off x="5786799" y="2367711"/>
+            <a:ext cx="4810125" cy="3629013"/>
+          </a:xfrm>
+          <a:prstGeom prst="rect">
+            <a:avLst/>
+          </a:prstGeom>
+        </p:spPr>
+      </p:pic>
+      <p:sp>
+        <p:nvSpPr>
+          <p:cNvPr id="6" name="도형 19"/>
+          <p:cNvSpPr>
+            <a:spLocks/>
+          </p:cNvSpPr>
+          <p:nvPr/>
+        </p:nvSpPr>
+        <p:spPr>
+          <a:xfrm>
+            <a:off x="575944" y="1403690"/>
+            <a:ext cx="10987060" cy="584775"/>
+          </a:xfrm>
+          <a:prstGeom prst="rect">
+            <a:avLst/>
+          </a:prstGeom>
+        </p:spPr>
+        <p:txBody>
+          <a:bodyPr vert="horz" wrap="square" lIns="91440" tIns="45720" rIns="91440" bIns="45720" numCol="1" anchor="t">
+            <a:spAutoFit/>
+          </a:bodyPr>
+          <a:lstStyle/>
+          <a:p>
+            <a:pPr latinLnBrk="0">
+              <a:lnSpc>
+                <a:spcPct val="200000"/>
+              </a:lnSpc>
+              <a:defRPr/>
+            </a:pPr>
+            <a:r>
+              <a:rPr lang="en-US" altLang="ko-KR" sz="1600" b="1" dirty="0" smtClean="0"/>
+              <a:t>- </a:t>
+            </a:r>
+            <a:r>
+              <a:rPr lang="ko-KR" altLang="en-US" sz="1600" b="1" dirty="0" smtClean="0"/>
+              <a:t>구성에 대한 </a:t>
+            </a:r>
+            <a:r>
+              <a:rPr lang="en-US" altLang="ko-KR" sz="1600" b="1" dirty="0" smtClean="0"/>
+              <a:t>Next </a:t>
+            </a:r>
+            <a:r>
+              <a:rPr lang="ko-KR" altLang="en-US" sz="1600" b="1" dirty="0" smtClean="0"/>
+              <a:t>클릭 후 </a:t>
+            </a:r>
+            <a:r>
+              <a:rPr lang="en-US" altLang="ko-KR" sz="1600" b="1" dirty="0" smtClean="0"/>
+              <a:t>Connect To Server</a:t>
+            </a:r>
+            <a:r>
+              <a:rPr lang="ko-KR" altLang="en-US" sz="1600" b="1" dirty="0" smtClean="0"/>
+              <a:t>화면의 패스워드 입력 후 </a:t>
+            </a:r>
+            <a:r>
+              <a:rPr lang="en-US" altLang="ko-KR" sz="1600" b="1" dirty="0" smtClean="0"/>
+              <a:t>Check </a:t>
+            </a:r>
+            <a:r>
+              <a:rPr lang="ko-KR" altLang="en-US" sz="1600" b="1" dirty="0" smtClean="0"/>
+              <a:t>클릭</a:t>
+            </a:r>
+            <a:r>
+              <a:rPr lang="en-US" altLang="ko-KR" sz="1600" b="1" dirty="0" smtClean="0"/>
+              <a:t>, Next </a:t>
+            </a:r>
+            <a:r>
+              <a:rPr lang="ko-KR" altLang="en-US" sz="1600" b="1" dirty="0" smtClean="0"/>
+              <a:t>클릭</a:t>
+            </a:r>
+            <a:endParaRPr lang="en-US" altLang="ko-KR" sz="1600" b="1" i="0" dirty="0" smtClean="0">
+              <a:solidFill>
+                <a:schemeClr val="tx1"/>
+              </a:solidFill>
+            </a:endParaRPr>
+          </a:p>
+        </p:txBody>
+      </p:sp>
+      <p:sp>
+        <p:nvSpPr>
+          <p:cNvPr id="7" name="직사각형 6"/>
+          <p:cNvSpPr/>
+          <p:nvPr/>
+        </p:nvSpPr>
+        <p:spPr>
+          <a:xfrm>
+            <a:off x="2745576" y="5278999"/>
+            <a:ext cx="779020" cy="406906"/>
+          </a:xfrm>
+          <a:prstGeom prst="rect">
+            <a:avLst/>
+          </a:prstGeom>
+          <a:noFill/>
+          <a:ln w="28575">
+            <a:solidFill>
+              <a:srgbClr val="FF0000"/>
+            </a:solidFill>
+            <a:prstDash val="sysDash"/>
+          </a:ln>
+        </p:spPr>
+        <p:style>
+          <a:lnRef idx="2">
+            <a:schemeClr val="accent1">
+              <a:shade val="50000"/>
+            </a:schemeClr>
+          </a:lnRef>
+          <a:fillRef idx="1">
+            <a:schemeClr val="accent1"/>
+          </a:fillRef>
+          <a:effectRef idx="0">
+            <a:schemeClr val="accent1"/>
+          </a:effectRef>
+          <a:fontRef idx="minor">
+            <a:schemeClr val="lt1"/>
+          </a:fontRef>
+        </p:style>
+        <p:txBody>
+          <a:bodyPr rtlCol="0" anchor="ctr"/>
+          <a:lstStyle/>
+          <a:p>
+            <a:pPr algn="ctr"/>
+            <a:endParaRPr lang="ko-KR" altLang="en-US"/>
+          </a:p>
+        </p:txBody>
+      </p:sp>
+      <p:sp>
+        <p:nvSpPr>
+          <p:cNvPr id="8" name="직사각형 7"/>
+          <p:cNvSpPr/>
+          <p:nvPr/>
+        </p:nvSpPr>
+        <p:spPr>
+          <a:xfrm>
+            <a:off x="4553836" y="5996724"/>
+            <a:ext cx="544546" cy="307571"/>
+          </a:xfrm>
+          <a:prstGeom prst="rect">
+            <a:avLst/>
+          </a:prstGeom>
+          <a:noFill/>
+          <a:ln w="28575">
+            <a:solidFill>
+              <a:srgbClr val="FF0000"/>
+            </a:solidFill>
+            <a:prstDash val="sysDash"/>
+          </a:ln>
+        </p:spPr>
+        <p:style>
+          <a:lnRef idx="2">
+            <a:schemeClr val="accent1">
+              <a:shade val="50000"/>
+            </a:schemeClr>
+          </a:lnRef>
+          <a:fillRef idx="1">
+            <a:schemeClr val="accent1"/>
+          </a:fillRef>
+          <a:effectRef idx="0">
+            <a:schemeClr val="accent1"/>
+          </a:effectRef>
+          <a:fontRef idx="minor">
+            <a:schemeClr val="lt1"/>
+          </a:fontRef>
+        </p:style>
+        <p:txBody>
+          <a:bodyPr rtlCol="0" anchor="ctr"/>
+          <a:lstStyle/>
+          <a:p>
+            <a:pPr algn="ctr"/>
+            <a:endParaRPr lang="ko-KR" altLang="en-US"/>
+          </a:p>
+        </p:txBody>
+      </p:sp>
+      <p:sp>
+        <p:nvSpPr>
+          <p:cNvPr id="9" name="도형 19"/>
+          <p:cNvSpPr>
+            <a:spLocks/>
+          </p:cNvSpPr>
+          <p:nvPr/>
+        </p:nvSpPr>
+        <p:spPr>
+          <a:xfrm>
+            <a:off x="5786799" y="1896318"/>
+            <a:ext cx="4370038" cy="584775"/>
+          </a:xfrm>
+          <a:prstGeom prst="rect">
+            <a:avLst/>
+          </a:prstGeom>
+        </p:spPr>
+        <p:txBody>
+          <a:bodyPr vert="horz" wrap="square" lIns="91440" tIns="45720" rIns="91440" bIns="45720" numCol="1" anchor="t">
+            <a:spAutoFit/>
+          </a:bodyPr>
+          <a:lstStyle/>
+          <a:p>
+            <a:pPr latinLnBrk="0">
+              <a:lnSpc>
+                <a:spcPct val="200000"/>
+              </a:lnSpc>
+              <a:defRPr/>
+            </a:pPr>
+            <a:r>
+              <a:rPr lang="en-US" altLang="ko-KR" sz="1600" b="1" dirty="0" smtClean="0"/>
+              <a:t>- </a:t>
+            </a:r>
+            <a:r>
+              <a:rPr lang="ko-KR" altLang="en-US" sz="1600" b="1" dirty="0" smtClean="0"/>
+              <a:t>구성에 대한 </a:t>
+            </a:r>
+            <a:r>
+              <a:rPr lang="en-US" altLang="ko-KR" sz="1600" b="1" dirty="0" smtClean="0"/>
+              <a:t>Execute </a:t>
+            </a:r>
+            <a:r>
+              <a:rPr lang="ko-KR" altLang="en-US" sz="1600" b="1" dirty="0" smtClean="0"/>
+              <a:t>클릭 후 </a:t>
+            </a:r>
+            <a:r>
+              <a:rPr lang="en-US" altLang="ko-KR" sz="1600" b="1" dirty="0" smtClean="0"/>
+              <a:t>Finish </a:t>
+            </a:r>
+            <a:r>
+              <a:rPr lang="ko-KR" altLang="en-US" sz="1600" b="1" dirty="0" smtClean="0"/>
+              <a:t>클릭</a:t>
+            </a:r>
+            <a:endParaRPr lang="en-US" altLang="ko-KR" sz="1600" b="1" i="0" dirty="0" smtClean="0">
+              <a:solidFill>
+                <a:schemeClr val="tx1"/>
+              </a:solidFill>
+            </a:endParaRPr>
+          </a:p>
+        </p:txBody>
+      </p:sp>
+      <p:sp>
+        <p:nvSpPr>
+          <p:cNvPr id="10" name="도형 17"/>
+          <p:cNvSpPr>
+            <a:spLocks/>
+          </p:cNvSpPr>
+          <p:nvPr/>
+        </p:nvSpPr>
+        <p:spPr>
+          <a:xfrm>
+            <a:off x="765868" y="316230"/>
+            <a:ext cx="1467068" cy="454292"/>
+          </a:xfrm>
+          <a:prstGeom prst="rect">
+            <a:avLst/>
+          </a:prstGeom>
+          <a:ln w="0">
+            <a:noFill/>
+            <a:prstDash/>
+          </a:ln>
+        </p:spPr>
+        <p:txBody>
+          <a:bodyPr vert="horz" wrap="none" lIns="91440" tIns="45720" rIns="91440" bIns="45720" numCol="1" anchor="t">
+            <a:spAutoFit/>
+          </a:bodyPr>
+          <a:lstStyle/>
+          <a:p>
+            <a:pPr marL="0" indent="0" latinLnBrk="0">
+              <a:lnSpc>
+                <a:spcPct val="150000"/>
+              </a:lnSpc>
+              <a:buFontTx/>
+              <a:buNone/>
+            </a:pPr>
+            <a:r>
+              <a:rPr lang="en-US" altLang="ko-KR" dirty="0" smtClean="0">
+                <a:solidFill>
+                  <a:schemeClr val="bg1"/>
+                </a:solidFill>
+              </a:rPr>
+              <a:t>MySQL </a:t>
+            </a:r>
+            <a:r>
+              <a:rPr lang="ko-KR" altLang="en-US" dirty="0" smtClean="0">
+                <a:solidFill>
+                  <a:schemeClr val="bg1"/>
+                </a:solidFill>
+              </a:rPr>
+              <a:t>설치</a:t>
+            </a:r>
+            <a:endParaRPr lang="ko-KR" altLang="en-US" dirty="0">
+              <a:solidFill>
+                <a:schemeClr val="bg1"/>
+              </a:solidFill>
+            </a:endParaRPr>
+          </a:p>
+        </p:txBody>
+      </p:sp>
+    </p:spTree>
+    <p:extLst>
+      <p:ext uri="{BB962C8B-B14F-4D97-AF65-F5344CB8AC3E}">
+        <p14:creationId xmlns:p14="http://schemas.microsoft.com/office/powerpoint/2010/main" val="1559415094"/>
+      </p:ext>
+    </p:extLst>
+  </p:cSld>
+  <p:clrMapOvr>
+    <a:masterClrMapping/>
+  </p:clrMapOvr>
+</p:sld>
+</file>
+
+<file path=ppt/slides/slide14.xml><?xml version="1.0" encoding="utf-8"?>
+<p:sld xmlns:a="http://schemas.openxmlformats.org/drawingml/2006/main" xmlns:r="http://schemas.openxmlformats.org/officeDocument/2006/relationships" xmlns:p="http://schemas.openxmlformats.org/presentationml/2006/main">
+  <p:cSld>
+    <p:spTree>
+      <p:nvGrpSpPr>
+        <p:cNvPr id="1" name=""/>
+        <p:cNvGrpSpPr/>
+        <p:nvPr/>
+      </p:nvGrpSpPr>
+      <p:grpSpPr>
+        <a:xfrm>
+          <a:off x="0" y="0"/>
+          <a:ext cx="0" cy="0"/>
+          <a:chOff x="0" y="0"/>
+          <a:chExt cx="0" cy="0"/>
+        </a:xfrm>
+      </p:grpSpPr>
+      <p:pic>
+        <p:nvPicPr>
+          <p:cNvPr id="2" name="그림 1"/>
+          <p:cNvPicPr>
+            <a:picLocks noChangeAspect="1"/>
+          </p:cNvPicPr>
+          <p:nvPr/>
+        </p:nvPicPr>
+        <p:blipFill>
+          <a:blip r:embed="rId2"/>
+          <a:stretch>
+            <a:fillRect/>
+          </a:stretch>
+        </p:blipFill>
+        <p:spPr>
+          <a:xfrm>
+            <a:off x="883716" y="2111432"/>
+            <a:ext cx="6466553" cy="3381895"/>
+          </a:xfrm>
+          <a:prstGeom prst="rect">
+            <a:avLst/>
+          </a:prstGeom>
+        </p:spPr>
+      </p:pic>
+      <p:pic>
+        <p:nvPicPr>
+          <p:cNvPr id="3" name="그림 2"/>
+          <p:cNvPicPr>
+            <a:picLocks noChangeAspect="1"/>
+          </p:cNvPicPr>
+          <p:nvPr/>
+        </p:nvPicPr>
+        <p:blipFill>
+          <a:blip r:embed="rId3"/>
+          <a:stretch>
+            <a:fillRect/>
+          </a:stretch>
+        </p:blipFill>
+        <p:spPr>
+          <a:xfrm>
+            <a:off x="3869266" y="3190070"/>
+            <a:ext cx="7243233" cy="3005942"/>
+          </a:xfrm>
+          <a:prstGeom prst="rect">
+            <a:avLst/>
+          </a:prstGeom>
+        </p:spPr>
+      </p:pic>
+      <p:sp>
+        <p:nvSpPr>
+          <p:cNvPr id="4" name="도형 19"/>
+          <p:cNvSpPr>
+            <a:spLocks/>
+          </p:cNvSpPr>
+          <p:nvPr/>
+        </p:nvSpPr>
+        <p:spPr>
+          <a:xfrm>
+            <a:off x="575944" y="1403690"/>
+            <a:ext cx="10987060" cy="506357"/>
+          </a:xfrm>
+          <a:prstGeom prst="rect">
+            <a:avLst/>
+          </a:prstGeom>
+        </p:spPr>
+        <p:txBody>
+          <a:bodyPr vert="horz" wrap="square" lIns="91440" tIns="45720" rIns="91440" bIns="45720" numCol="1" anchor="t">
+            <a:spAutoFit/>
+          </a:bodyPr>
+          <a:lstStyle/>
+          <a:p>
+            <a:pPr latinLnBrk="0">
+              <a:lnSpc>
+                <a:spcPct val="200000"/>
+              </a:lnSpc>
+              <a:defRPr/>
+            </a:pPr>
+            <a:r>
+              <a:rPr lang="en-US" altLang="ko-KR" sz="1600" b="1" dirty="0" smtClean="0"/>
+              <a:t>- </a:t>
+            </a:r>
+            <a:r>
+              <a:rPr lang="ko-KR" altLang="en-US" sz="1600" b="1" dirty="0" smtClean="0"/>
+              <a:t>커맨드 창과 </a:t>
+            </a:r>
+            <a:r>
+              <a:rPr lang="ko-KR" altLang="en-US" sz="1600" b="1" dirty="0" err="1" smtClean="0"/>
+              <a:t>워크벤치</a:t>
+            </a:r>
+            <a:r>
+              <a:rPr lang="ko-KR" altLang="en-US" sz="1600" b="1" dirty="0" smtClean="0"/>
+              <a:t> 화면이 보이면 설치 완료</a:t>
+            </a:r>
+            <a:r>
+              <a:rPr lang="en-US" altLang="ko-KR" sz="1600" b="1" dirty="0" smtClean="0"/>
+              <a:t>.</a:t>
+            </a:r>
+            <a:endParaRPr lang="en-US" altLang="ko-KR" sz="1600" b="1" i="0" dirty="0" smtClean="0">
+              <a:solidFill>
+                <a:schemeClr val="tx1"/>
+              </a:solidFill>
+            </a:endParaRPr>
+          </a:p>
+        </p:txBody>
+      </p:sp>
+      <p:sp>
+        <p:nvSpPr>
+          <p:cNvPr id="5" name="도형 17"/>
+          <p:cNvSpPr>
+            <a:spLocks/>
+          </p:cNvSpPr>
+          <p:nvPr/>
+        </p:nvSpPr>
+        <p:spPr>
+          <a:xfrm>
+            <a:off x="765868" y="316230"/>
+            <a:ext cx="1467068" cy="454292"/>
+          </a:xfrm>
+          <a:prstGeom prst="rect">
+            <a:avLst/>
+          </a:prstGeom>
+          <a:ln w="0">
+            <a:noFill/>
+            <a:prstDash/>
+          </a:ln>
+        </p:spPr>
+        <p:txBody>
+          <a:bodyPr vert="horz" wrap="none" lIns="91440" tIns="45720" rIns="91440" bIns="45720" numCol="1" anchor="t">
+            <a:spAutoFit/>
+          </a:bodyPr>
+          <a:lstStyle/>
+          <a:p>
+            <a:pPr marL="0" indent="0" latinLnBrk="0">
+              <a:lnSpc>
+                <a:spcPct val="150000"/>
+              </a:lnSpc>
+              <a:buFontTx/>
+              <a:buNone/>
+            </a:pPr>
+            <a:r>
+              <a:rPr lang="en-US" altLang="ko-KR" dirty="0" smtClean="0">
+                <a:solidFill>
+                  <a:schemeClr val="bg1"/>
+                </a:solidFill>
+              </a:rPr>
+              <a:t>MySQL </a:t>
+            </a:r>
+            <a:r>
+              <a:rPr lang="ko-KR" altLang="en-US" dirty="0" smtClean="0">
+                <a:solidFill>
+                  <a:schemeClr val="bg1"/>
+                </a:solidFill>
+              </a:rPr>
+              <a:t>설치</a:t>
+            </a:r>
+            <a:endParaRPr lang="ko-KR" altLang="en-US" dirty="0">
+              <a:solidFill>
+                <a:schemeClr val="bg1"/>
+              </a:solidFill>
+            </a:endParaRPr>
+          </a:p>
+        </p:txBody>
+      </p:sp>
+    </p:spTree>
+    <p:extLst>
+      <p:ext uri="{BB962C8B-B14F-4D97-AF65-F5344CB8AC3E}">
+        <p14:creationId xmlns:p14="http://schemas.microsoft.com/office/powerpoint/2010/main" val="1860681398"/>
+      </p:ext>
+    </p:extLst>
+  </p:cSld>
+  <p:clrMapOvr>
+    <a:masterClrMapping/>
+  </p:clrMapOvr>
+</p:sld>
+</file>
+
 <file path=ppt/slides/slide2.xml><?xml version="1.0" encoding="utf-8"?>
 <p:sld xmlns:a="http://schemas.openxmlformats.org/drawingml/2006/main" xmlns:r="http://schemas.openxmlformats.org/officeDocument/2006/relationships" xmlns:p="http://schemas.openxmlformats.org/presentationml/2006/main">
   <p:cSld>
@@ -8292,7 +10099,7 @@
         <p:spPr>
           <a:xfrm>
             <a:off x="765868" y="316230"/>
-            <a:ext cx="1467068" cy="507831"/>
+            <a:ext cx="1467068" cy="454292"/>
           </a:xfrm>
           <a:prstGeom prst="rect">
             <a:avLst/>
@@ -8316,14 +10123,26 @@
               <a:buNone/>
             </a:pPr>
             <a:r>
-              <a:rPr lang="en-US" altLang="ko-KR" smtClean="0"/>
+              <a:rPr lang="en-US" altLang="ko-KR" dirty="0" smtClean="0">
+                <a:solidFill>
+                  <a:schemeClr val="bg1"/>
+                </a:solidFill>
+              </a:rPr>
               <a:t>MySQL </a:t>
             </a:r>
             <a:r>
-              <a:rPr lang="ko-KR" altLang="en-US" dirty="0" smtClean="0"/>
+              <a:rPr lang="ko-KR" altLang="en-US" dirty="0" smtClean="0">
+                <a:solidFill>
+                  <a:schemeClr val="bg1"/>
+                </a:solidFill>
+              </a:rPr>
               <a:t>개요</a:t>
             </a:r>
-            <a:endParaRPr lang="ko-KR" altLang="en-US" dirty="0"/>
+            <a:endParaRPr lang="ko-KR" altLang="en-US" dirty="0">
+              <a:solidFill>
+                <a:schemeClr val="bg1"/>
+              </a:solidFill>
+            </a:endParaRPr>
           </a:p>
         </p:txBody>
       </p:sp>
@@ -8517,11 +10336,7 @@
             </a:r>
             <a:r>
               <a:rPr lang="en-US" altLang="ko-KR" sz="1600" b="1" dirty="0" smtClean="0"/>
-              <a:t>(OS),</a:t>
-            </a:r>
-            <a:r>
-              <a:rPr lang="en-US" altLang="ko-KR" sz="1600" b="1" dirty="0" smtClean="0"/>
-              <a:t> </a:t>
+              <a:t>(OS), </a:t>
             </a:r>
             <a:r>
               <a:rPr lang="ko-KR" altLang="en-US" sz="1600" b="1" dirty="0" smtClean="0"/>
@@ -8772,7 +10587,7 @@
         <p:spPr>
           <a:xfrm>
             <a:off x="765868" y="316230"/>
-            <a:ext cx="1467068" cy="507831"/>
+            <a:ext cx="1467068" cy="454292"/>
           </a:xfrm>
           <a:prstGeom prst="rect">
             <a:avLst/>
@@ -8796,14 +10611,26 @@
               <a:buNone/>
             </a:pPr>
             <a:r>
-              <a:rPr lang="en-US" altLang="ko-KR" smtClean="0"/>
+              <a:rPr lang="en-US" altLang="ko-KR" dirty="0" smtClean="0">
+                <a:solidFill>
+                  <a:schemeClr val="bg1"/>
+                </a:solidFill>
+              </a:rPr>
               <a:t>MySQL </a:t>
             </a:r>
             <a:r>
-              <a:rPr lang="ko-KR" altLang="en-US" dirty="0" smtClean="0"/>
+              <a:rPr lang="ko-KR" altLang="en-US" dirty="0" smtClean="0">
+                <a:solidFill>
+                  <a:schemeClr val="bg1"/>
+                </a:solidFill>
+              </a:rPr>
               <a:t>개요</a:t>
             </a:r>
-            <a:endParaRPr lang="ko-KR" altLang="en-US" dirty="0"/>
+            <a:endParaRPr lang="ko-KR" altLang="en-US" dirty="0">
+              <a:solidFill>
+                <a:schemeClr val="bg1"/>
+              </a:solidFill>
+            </a:endParaRPr>
           </a:p>
         </p:txBody>
       </p:sp>
@@ -9088,7 +10915,7 @@
         <p:spPr>
           <a:xfrm>
             <a:off x="765868" y="316230"/>
-            <a:ext cx="1467068" cy="507831"/>
+            <a:ext cx="1467068" cy="454292"/>
           </a:xfrm>
           <a:prstGeom prst="rect">
             <a:avLst/>
@@ -9112,14 +10939,26 @@
               <a:buNone/>
             </a:pPr>
             <a:r>
-              <a:rPr lang="en-US" altLang="ko-KR" smtClean="0"/>
+              <a:rPr lang="en-US" altLang="ko-KR" dirty="0" smtClean="0">
+                <a:solidFill>
+                  <a:schemeClr val="bg1"/>
+                </a:solidFill>
+              </a:rPr>
               <a:t>MySQL </a:t>
             </a:r>
             <a:r>
-              <a:rPr lang="ko-KR" altLang="en-US" dirty="0" smtClean="0"/>
+              <a:rPr lang="ko-KR" altLang="en-US" dirty="0" smtClean="0">
+                <a:solidFill>
+                  <a:schemeClr val="bg1"/>
+                </a:solidFill>
+              </a:rPr>
               <a:t>설치</a:t>
             </a:r>
-            <a:endParaRPr lang="ko-KR" altLang="en-US" dirty="0"/>
+            <a:endParaRPr lang="ko-KR" altLang="en-US" dirty="0">
+              <a:solidFill>
+                <a:schemeClr val="bg1"/>
+              </a:solidFill>
+            </a:endParaRPr>
           </a:p>
         </p:txBody>
       </p:sp>
@@ -9337,7 +11176,7 @@
         <p:spPr>
           <a:xfrm>
             <a:off x="765868" y="316230"/>
-            <a:ext cx="1467068" cy="507831"/>
+            <a:ext cx="1467068" cy="454292"/>
           </a:xfrm>
           <a:prstGeom prst="rect">
             <a:avLst/>
@@ -9361,14 +11200,26 @@
               <a:buNone/>
             </a:pPr>
             <a:r>
-              <a:rPr lang="en-US" altLang="ko-KR" smtClean="0"/>
+              <a:rPr lang="en-US" altLang="ko-KR" dirty="0" smtClean="0">
+                <a:solidFill>
+                  <a:schemeClr val="bg1"/>
+                </a:solidFill>
+              </a:rPr>
               <a:t>MySQL </a:t>
             </a:r>
             <a:r>
-              <a:rPr lang="ko-KR" altLang="en-US" dirty="0" smtClean="0"/>
+              <a:rPr lang="ko-KR" altLang="en-US" dirty="0" smtClean="0">
+                <a:solidFill>
+                  <a:schemeClr val="bg1"/>
+                </a:solidFill>
+              </a:rPr>
               <a:t>설치</a:t>
             </a:r>
-            <a:endParaRPr lang="ko-KR" altLang="en-US" dirty="0"/>
+            <a:endParaRPr lang="ko-KR" altLang="en-US" dirty="0">
+              <a:solidFill>
+                <a:schemeClr val="bg1"/>
+              </a:solidFill>
+            </a:endParaRPr>
           </a:p>
         </p:txBody>
       </p:sp>
@@ -9505,7 +11356,7 @@
         <p:spPr>
           <a:xfrm>
             <a:off x="765868" y="316230"/>
-            <a:ext cx="1467068" cy="507831"/>
+            <a:ext cx="1467068" cy="454292"/>
           </a:xfrm>
           <a:prstGeom prst="rect">
             <a:avLst/>
@@ -9529,14 +11380,26 @@
               <a:buNone/>
             </a:pPr>
             <a:r>
-              <a:rPr lang="en-US" altLang="ko-KR" smtClean="0"/>
+              <a:rPr lang="en-US" altLang="ko-KR" dirty="0" smtClean="0">
+                <a:solidFill>
+                  <a:schemeClr val="bg1"/>
+                </a:solidFill>
+              </a:rPr>
               <a:t>MySQL </a:t>
             </a:r>
             <a:r>
-              <a:rPr lang="ko-KR" altLang="en-US" dirty="0" smtClean="0"/>
+              <a:rPr lang="ko-KR" altLang="en-US" dirty="0" smtClean="0">
+                <a:solidFill>
+                  <a:schemeClr val="bg1"/>
+                </a:solidFill>
+              </a:rPr>
               <a:t>설치</a:t>
             </a:r>
-            <a:endParaRPr lang="ko-KR" altLang="en-US" dirty="0"/>
+            <a:endParaRPr lang="ko-KR" altLang="en-US" dirty="0">
+              <a:solidFill>
+                <a:schemeClr val="bg1"/>
+              </a:solidFill>
+            </a:endParaRPr>
           </a:p>
         </p:txBody>
       </p:sp>
@@ -9660,6 +11523,918 @@
     <p:extLst>
       <p:ext uri="{BB962C8B-B14F-4D97-AF65-F5344CB8AC3E}">
         <p14:creationId xmlns:p14="http://schemas.microsoft.com/office/powerpoint/2010/main" val="268652388"/>
+      </p:ext>
+    </p:extLst>
+  </p:cSld>
+  <p:clrMapOvr>
+    <a:masterClrMapping/>
+  </p:clrMapOvr>
+</p:sld>
+</file>
+
+<file path=ppt/slides/slide7.xml><?xml version="1.0" encoding="utf-8"?>
+<p:sld xmlns:a="http://schemas.openxmlformats.org/drawingml/2006/main" xmlns:r="http://schemas.openxmlformats.org/officeDocument/2006/relationships" xmlns:p="http://schemas.openxmlformats.org/presentationml/2006/main">
+  <p:cSld>
+    <p:spTree>
+      <p:nvGrpSpPr>
+        <p:cNvPr id="1" name=""/>
+        <p:cNvGrpSpPr/>
+        <p:nvPr/>
+      </p:nvGrpSpPr>
+      <p:grpSpPr>
+        <a:xfrm>
+          <a:off x="0" y="0"/>
+          <a:ext cx="0" cy="0"/>
+          <a:chOff x="0" y="0"/>
+          <a:chExt cx="0" cy="0"/>
+        </a:xfrm>
+      </p:grpSpPr>
+      <p:sp>
+        <p:nvSpPr>
+          <p:cNvPr id="44" name="도형 17"/>
+          <p:cNvSpPr>
+            <a:spLocks/>
+          </p:cNvSpPr>
+          <p:nvPr/>
+        </p:nvSpPr>
+        <p:spPr>
+          <a:xfrm>
+            <a:off x="765868" y="316230"/>
+            <a:ext cx="1467068" cy="454292"/>
+          </a:xfrm>
+          <a:prstGeom prst="rect">
+            <a:avLst/>
+          </a:prstGeom>
+          <a:ln w="0">
+            <a:noFill/>
+            <a:prstDash/>
+          </a:ln>
+        </p:spPr>
+        <p:txBody>
+          <a:bodyPr vert="horz" wrap="none" lIns="91440" tIns="45720" rIns="91440" bIns="45720" numCol="1" anchor="t">
+            <a:spAutoFit/>
+          </a:bodyPr>
+          <a:lstStyle/>
+          <a:p>
+            <a:pPr marL="0" indent="0" latinLnBrk="0">
+              <a:lnSpc>
+                <a:spcPct val="150000"/>
+              </a:lnSpc>
+              <a:buFontTx/>
+              <a:buNone/>
+            </a:pPr>
+            <a:r>
+              <a:rPr lang="en-US" altLang="ko-KR" smtClean="0">
+                <a:solidFill>
+                  <a:schemeClr val="bg1"/>
+                </a:solidFill>
+              </a:rPr>
+              <a:t>MySQL </a:t>
+            </a:r>
+            <a:r>
+              <a:rPr lang="ko-KR" altLang="en-US" dirty="0" smtClean="0">
+                <a:solidFill>
+                  <a:schemeClr val="bg1"/>
+                </a:solidFill>
+              </a:rPr>
+              <a:t>설치</a:t>
+            </a:r>
+            <a:endParaRPr lang="ko-KR" altLang="en-US" dirty="0">
+              <a:solidFill>
+                <a:schemeClr val="bg1"/>
+              </a:solidFill>
+            </a:endParaRPr>
+          </a:p>
+        </p:txBody>
+      </p:sp>
+      <p:sp>
+        <p:nvSpPr>
+          <p:cNvPr id="24" name="도형 19"/>
+          <p:cNvSpPr>
+            <a:spLocks/>
+          </p:cNvSpPr>
+          <p:nvPr/>
+        </p:nvSpPr>
+        <p:spPr>
+          <a:xfrm>
+            <a:off x="423544" y="1251290"/>
+            <a:ext cx="11438717" cy="506357"/>
+          </a:xfrm>
+          <a:prstGeom prst="rect">
+            <a:avLst/>
+          </a:prstGeom>
+        </p:spPr>
+        <p:txBody>
+          <a:bodyPr vert="horz" wrap="square" lIns="91440" tIns="45720" rIns="91440" bIns="45720" numCol="1" anchor="t">
+            <a:spAutoFit/>
+          </a:bodyPr>
+          <a:lstStyle/>
+          <a:p>
+            <a:pPr latinLnBrk="0">
+              <a:lnSpc>
+                <a:spcPct val="200000"/>
+              </a:lnSpc>
+              <a:defRPr/>
+            </a:pPr>
+            <a:r>
+              <a:rPr lang="en-US" altLang="ko-KR" sz="1600" b="1" dirty="0" smtClean="0"/>
+              <a:t>- mysql-installer-community-8.0.29.0.msi </a:t>
+            </a:r>
+            <a:r>
+              <a:rPr lang="ko-KR" altLang="en-US" sz="1600" b="1" dirty="0" smtClean="0"/>
+              <a:t>파일 실행</a:t>
+            </a:r>
+            <a:endParaRPr lang="en-US" altLang="ko-KR" sz="1600" b="1" i="0" dirty="0" smtClean="0">
+              <a:solidFill>
+                <a:schemeClr val="tx1"/>
+              </a:solidFill>
+            </a:endParaRPr>
+          </a:p>
+        </p:txBody>
+      </p:sp>
+      <p:pic>
+        <p:nvPicPr>
+          <p:cNvPr id="2" name="그림 1"/>
+          <p:cNvPicPr>
+            <a:picLocks noChangeAspect="1"/>
+          </p:cNvPicPr>
+          <p:nvPr/>
+        </p:nvPicPr>
+        <p:blipFill>
+          <a:blip r:embed="rId2"/>
+          <a:stretch>
+            <a:fillRect/>
+          </a:stretch>
+        </p:blipFill>
+        <p:spPr>
+          <a:xfrm>
+            <a:off x="765868" y="2118891"/>
+            <a:ext cx="6163535" cy="1057423"/>
+          </a:xfrm>
+          <a:prstGeom prst="rect">
+            <a:avLst/>
+          </a:prstGeom>
+        </p:spPr>
+      </p:pic>
+      <p:pic>
+        <p:nvPicPr>
+          <p:cNvPr id="5" name="그림 4"/>
+          <p:cNvPicPr>
+            <a:picLocks noChangeAspect="1"/>
+          </p:cNvPicPr>
+          <p:nvPr/>
+        </p:nvPicPr>
+        <p:blipFill>
+          <a:blip r:embed="rId3"/>
+          <a:stretch>
+            <a:fillRect/>
+          </a:stretch>
+        </p:blipFill>
+        <p:spPr>
+          <a:xfrm>
+            <a:off x="1771702" y="2935517"/>
+            <a:ext cx="3752850" cy="1419225"/>
+          </a:xfrm>
+          <a:prstGeom prst="rect">
+            <a:avLst/>
+          </a:prstGeom>
+        </p:spPr>
+      </p:pic>
+      <p:pic>
+        <p:nvPicPr>
+          <p:cNvPr id="7" name="그림 6"/>
+          <p:cNvPicPr>
+            <a:picLocks noChangeAspect="1"/>
+          </p:cNvPicPr>
+          <p:nvPr/>
+        </p:nvPicPr>
+        <p:blipFill>
+          <a:blip r:embed="rId4"/>
+          <a:stretch>
+            <a:fillRect/>
+          </a:stretch>
+        </p:blipFill>
+        <p:spPr>
+          <a:xfrm>
+            <a:off x="5437129" y="3176314"/>
+            <a:ext cx="5324475" cy="3048000"/>
+          </a:xfrm>
+          <a:prstGeom prst="rect">
+            <a:avLst/>
+          </a:prstGeom>
+        </p:spPr>
+      </p:pic>
+    </p:spTree>
+    <p:extLst>
+      <p:ext uri="{BB962C8B-B14F-4D97-AF65-F5344CB8AC3E}">
+        <p14:creationId xmlns:p14="http://schemas.microsoft.com/office/powerpoint/2010/main" val="85078717"/>
+      </p:ext>
+    </p:extLst>
+  </p:cSld>
+  <p:clrMapOvr>
+    <a:masterClrMapping/>
+  </p:clrMapOvr>
+</p:sld>
+</file>
+
+<file path=ppt/slides/slide8.xml><?xml version="1.0" encoding="utf-8"?>
+<p:sld xmlns:a="http://schemas.openxmlformats.org/drawingml/2006/main" xmlns:r="http://schemas.openxmlformats.org/officeDocument/2006/relationships" xmlns:p="http://schemas.openxmlformats.org/presentationml/2006/main">
+  <p:cSld>
+    <p:spTree>
+      <p:nvGrpSpPr>
+        <p:cNvPr id="1" name=""/>
+        <p:cNvGrpSpPr/>
+        <p:nvPr/>
+      </p:nvGrpSpPr>
+      <p:grpSpPr>
+        <a:xfrm>
+          <a:off x="0" y="0"/>
+          <a:ext cx="0" cy="0"/>
+          <a:chOff x="0" y="0"/>
+          <a:chExt cx="0" cy="0"/>
+        </a:xfrm>
+      </p:grpSpPr>
+      <p:sp>
+        <p:nvSpPr>
+          <p:cNvPr id="2" name="도형 17"/>
+          <p:cNvSpPr>
+            <a:spLocks/>
+          </p:cNvSpPr>
+          <p:nvPr/>
+        </p:nvSpPr>
+        <p:spPr>
+          <a:xfrm>
+            <a:off x="765868" y="316230"/>
+            <a:ext cx="1467068" cy="454292"/>
+          </a:xfrm>
+          <a:prstGeom prst="rect">
+            <a:avLst/>
+          </a:prstGeom>
+          <a:ln w="0">
+            <a:noFill/>
+            <a:prstDash/>
+          </a:ln>
+        </p:spPr>
+        <p:txBody>
+          <a:bodyPr vert="horz" wrap="none" lIns="91440" tIns="45720" rIns="91440" bIns="45720" numCol="1" anchor="t">
+            <a:spAutoFit/>
+          </a:bodyPr>
+          <a:lstStyle/>
+          <a:p>
+            <a:pPr marL="0" indent="0" latinLnBrk="0">
+              <a:lnSpc>
+                <a:spcPct val="150000"/>
+              </a:lnSpc>
+              <a:buFontTx/>
+              <a:buNone/>
+            </a:pPr>
+            <a:r>
+              <a:rPr lang="en-US" altLang="ko-KR" dirty="0" smtClean="0">
+                <a:solidFill>
+                  <a:schemeClr val="bg1"/>
+                </a:solidFill>
+              </a:rPr>
+              <a:t>MySQL </a:t>
+            </a:r>
+            <a:r>
+              <a:rPr lang="ko-KR" altLang="en-US" dirty="0" smtClean="0">
+                <a:solidFill>
+                  <a:schemeClr val="bg1"/>
+                </a:solidFill>
+              </a:rPr>
+              <a:t>설치</a:t>
+            </a:r>
+            <a:endParaRPr lang="ko-KR" altLang="en-US" dirty="0">
+              <a:solidFill>
+                <a:schemeClr val="bg1"/>
+              </a:solidFill>
+            </a:endParaRPr>
+          </a:p>
+        </p:txBody>
+      </p:sp>
+      <p:pic>
+        <p:nvPicPr>
+          <p:cNvPr id="3" name="그림 2"/>
+          <p:cNvPicPr>
+            <a:picLocks noChangeAspect="1"/>
+          </p:cNvPicPr>
+          <p:nvPr/>
+        </p:nvPicPr>
+        <p:blipFill>
+          <a:blip r:embed="rId2"/>
+          <a:stretch>
+            <a:fillRect/>
+          </a:stretch>
+        </p:blipFill>
+        <p:spPr>
+          <a:xfrm>
+            <a:off x="698268" y="2273499"/>
+            <a:ext cx="5616460" cy="4237355"/>
+          </a:xfrm>
+          <a:prstGeom prst="rect">
+            <a:avLst/>
+          </a:prstGeom>
+        </p:spPr>
+      </p:pic>
+      <p:pic>
+        <p:nvPicPr>
+          <p:cNvPr id="4" name="그림 3"/>
+          <p:cNvPicPr>
+            <a:picLocks noChangeAspect="1"/>
+          </p:cNvPicPr>
+          <p:nvPr/>
+        </p:nvPicPr>
+        <p:blipFill>
+          <a:blip r:embed="rId3"/>
+          <a:stretch>
+            <a:fillRect/>
+          </a:stretch>
+        </p:blipFill>
+        <p:spPr>
+          <a:xfrm>
+            <a:off x="6120183" y="2510441"/>
+            <a:ext cx="5190495" cy="3915984"/>
+          </a:xfrm>
+          <a:prstGeom prst="rect">
+            <a:avLst/>
+          </a:prstGeom>
+        </p:spPr>
+      </p:pic>
+      <p:pic>
+        <p:nvPicPr>
+          <p:cNvPr id="5" name="그림 4"/>
+          <p:cNvPicPr>
+            <a:picLocks noChangeAspect="1"/>
+          </p:cNvPicPr>
+          <p:nvPr/>
+        </p:nvPicPr>
+        <p:blipFill>
+          <a:blip r:embed="rId4"/>
+          <a:stretch>
+            <a:fillRect/>
+          </a:stretch>
+        </p:blipFill>
+        <p:spPr>
+          <a:xfrm>
+            <a:off x="7017122" y="4392176"/>
+            <a:ext cx="3396615" cy="1248226"/>
+          </a:xfrm>
+          <a:prstGeom prst="rect">
+            <a:avLst/>
+          </a:prstGeom>
+        </p:spPr>
+      </p:pic>
+      <p:sp>
+        <p:nvSpPr>
+          <p:cNvPr id="6" name="직사각형 5"/>
+          <p:cNvSpPr/>
+          <p:nvPr/>
+        </p:nvSpPr>
+        <p:spPr>
+          <a:xfrm>
+            <a:off x="4885775" y="6161718"/>
+            <a:ext cx="783506" cy="307571"/>
+          </a:xfrm>
+          <a:prstGeom prst="rect">
+            <a:avLst/>
+          </a:prstGeom>
+          <a:noFill/>
+          <a:ln w="28575">
+            <a:solidFill>
+              <a:srgbClr val="FF0000"/>
+            </a:solidFill>
+            <a:prstDash val="sysDash"/>
+          </a:ln>
+        </p:spPr>
+        <p:style>
+          <a:lnRef idx="2">
+            <a:schemeClr val="accent1">
+              <a:shade val="50000"/>
+            </a:schemeClr>
+          </a:lnRef>
+          <a:fillRef idx="1">
+            <a:schemeClr val="accent1"/>
+          </a:fillRef>
+          <a:effectRef idx="0">
+            <a:schemeClr val="accent1"/>
+          </a:effectRef>
+          <a:fontRef idx="minor">
+            <a:schemeClr val="lt1"/>
+          </a:fontRef>
+        </p:style>
+        <p:txBody>
+          <a:bodyPr rtlCol="0" anchor="ctr"/>
+          <a:lstStyle/>
+          <a:p>
+            <a:pPr algn="ctr"/>
+            <a:endParaRPr lang="ko-KR" altLang="en-US"/>
+          </a:p>
+        </p:txBody>
+      </p:sp>
+      <p:sp>
+        <p:nvSpPr>
+          <p:cNvPr id="7" name="직사각형 6"/>
+          <p:cNvSpPr/>
+          <p:nvPr/>
+        </p:nvSpPr>
+        <p:spPr>
+          <a:xfrm>
+            <a:off x="9939915" y="6090363"/>
+            <a:ext cx="783506" cy="307571"/>
+          </a:xfrm>
+          <a:prstGeom prst="rect">
+            <a:avLst/>
+          </a:prstGeom>
+          <a:noFill/>
+          <a:ln w="28575">
+            <a:solidFill>
+              <a:srgbClr val="FF0000"/>
+            </a:solidFill>
+            <a:prstDash val="sysDash"/>
+          </a:ln>
+        </p:spPr>
+        <p:style>
+          <a:lnRef idx="2">
+            <a:schemeClr val="accent1">
+              <a:shade val="50000"/>
+            </a:schemeClr>
+          </a:lnRef>
+          <a:fillRef idx="1">
+            <a:schemeClr val="accent1"/>
+          </a:fillRef>
+          <a:effectRef idx="0">
+            <a:schemeClr val="accent1"/>
+          </a:effectRef>
+          <a:fontRef idx="minor">
+            <a:schemeClr val="lt1"/>
+          </a:fontRef>
+        </p:style>
+        <p:txBody>
+          <a:bodyPr rtlCol="0" anchor="ctr"/>
+          <a:lstStyle/>
+          <a:p>
+            <a:pPr algn="ctr"/>
+            <a:endParaRPr lang="ko-KR" altLang="en-US"/>
+          </a:p>
+        </p:txBody>
+      </p:sp>
+      <p:sp>
+        <p:nvSpPr>
+          <p:cNvPr id="8" name="직사각형 7"/>
+          <p:cNvSpPr/>
+          <p:nvPr/>
+        </p:nvSpPr>
+        <p:spPr>
+          <a:xfrm>
+            <a:off x="9228255" y="5309720"/>
+            <a:ext cx="783506" cy="307571"/>
+          </a:xfrm>
+          <a:prstGeom prst="rect">
+            <a:avLst/>
+          </a:prstGeom>
+          <a:noFill/>
+          <a:ln w="28575">
+            <a:solidFill>
+              <a:srgbClr val="FF0000"/>
+            </a:solidFill>
+            <a:prstDash val="sysDash"/>
+          </a:ln>
+        </p:spPr>
+        <p:style>
+          <a:lnRef idx="2">
+            <a:schemeClr val="accent1">
+              <a:shade val="50000"/>
+            </a:schemeClr>
+          </a:lnRef>
+          <a:fillRef idx="1">
+            <a:schemeClr val="accent1"/>
+          </a:fillRef>
+          <a:effectRef idx="0">
+            <a:schemeClr val="accent1"/>
+          </a:effectRef>
+          <a:fontRef idx="minor">
+            <a:schemeClr val="lt1"/>
+          </a:fontRef>
+        </p:style>
+        <p:txBody>
+          <a:bodyPr rtlCol="0" anchor="ctr"/>
+          <a:lstStyle/>
+          <a:p>
+            <a:pPr algn="ctr"/>
+            <a:endParaRPr lang="ko-KR" altLang="en-US"/>
+          </a:p>
+        </p:txBody>
+      </p:sp>
+      <p:cxnSp>
+        <p:nvCxnSpPr>
+          <p:cNvPr id="10" name="직선 화살표 연결선 9"/>
+          <p:cNvCxnSpPr>
+            <a:stCxn id="6" idx="3"/>
+            <a:endCxn id="7" idx="1"/>
+          </p:cNvCxnSpPr>
+          <p:nvPr/>
+        </p:nvCxnSpPr>
+        <p:spPr>
+          <a:xfrm flipV="1">
+            <a:off x="5669281" y="6244149"/>
+            <a:ext cx="4270634" cy="71355"/>
+          </a:xfrm>
+          <a:prstGeom prst="straightConnector1">
+            <a:avLst/>
+          </a:prstGeom>
+          <a:ln w="28575">
+            <a:solidFill>
+              <a:srgbClr val="FF0000"/>
+            </a:solidFill>
+            <a:tailEnd type="triangle"/>
+          </a:ln>
+        </p:spPr>
+        <p:style>
+          <a:lnRef idx="1">
+            <a:schemeClr val="accent1"/>
+          </a:lnRef>
+          <a:fillRef idx="0">
+            <a:schemeClr val="accent1"/>
+          </a:fillRef>
+          <a:effectRef idx="0">
+            <a:schemeClr val="accent1"/>
+          </a:effectRef>
+          <a:fontRef idx="minor">
+            <a:schemeClr val="tx1"/>
+          </a:fontRef>
+        </p:style>
+      </p:cxnSp>
+      <p:cxnSp>
+        <p:nvCxnSpPr>
+          <p:cNvPr id="11" name="직선 화살표 연결선 10"/>
+          <p:cNvCxnSpPr>
+            <a:stCxn id="7" idx="0"/>
+            <a:endCxn id="8" idx="2"/>
+          </p:cNvCxnSpPr>
+          <p:nvPr/>
+        </p:nvCxnSpPr>
+        <p:spPr>
+          <a:xfrm flipH="1" flipV="1">
+            <a:off x="9620008" y="5617291"/>
+            <a:ext cx="711660" cy="473072"/>
+          </a:xfrm>
+          <a:prstGeom prst="straightConnector1">
+            <a:avLst/>
+          </a:prstGeom>
+          <a:ln w="28575">
+            <a:solidFill>
+              <a:srgbClr val="FF0000"/>
+            </a:solidFill>
+            <a:tailEnd type="triangle"/>
+          </a:ln>
+        </p:spPr>
+        <p:style>
+          <a:lnRef idx="1">
+            <a:schemeClr val="accent1"/>
+          </a:lnRef>
+          <a:fillRef idx="0">
+            <a:schemeClr val="accent1"/>
+          </a:fillRef>
+          <a:effectRef idx="0">
+            <a:schemeClr val="accent1"/>
+          </a:effectRef>
+          <a:fontRef idx="minor">
+            <a:schemeClr val="tx1"/>
+          </a:fontRef>
+        </p:style>
+      </p:cxnSp>
+      <p:sp>
+        <p:nvSpPr>
+          <p:cNvPr id="14" name="도형 19"/>
+          <p:cNvSpPr>
+            <a:spLocks/>
+          </p:cNvSpPr>
+          <p:nvPr/>
+        </p:nvSpPr>
+        <p:spPr>
+          <a:xfrm>
+            <a:off x="423544" y="1251290"/>
+            <a:ext cx="11438717" cy="506357"/>
+          </a:xfrm>
+          <a:prstGeom prst="rect">
+            <a:avLst/>
+          </a:prstGeom>
+        </p:spPr>
+        <p:txBody>
+          <a:bodyPr vert="horz" wrap="square" lIns="91440" tIns="45720" rIns="91440" bIns="45720" numCol="1" anchor="t">
+            <a:spAutoFit/>
+          </a:bodyPr>
+          <a:lstStyle/>
+          <a:p>
+            <a:pPr latinLnBrk="0">
+              <a:lnSpc>
+                <a:spcPct val="200000"/>
+              </a:lnSpc>
+              <a:defRPr/>
+            </a:pPr>
+            <a:r>
+              <a:rPr lang="en-US" altLang="ko-KR" sz="1600" b="1" dirty="0" smtClean="0"/>
+              <a:t>- </a:t>
+            </a:r>
+            <a:r>
+              <a:rPr lang="ko-KR" altLang="en-US" sz="1600" b="1" dirty="0" smtClean="0"/>
+              <a:t>화살표 방향 대로 클릭하여 실행</a:t>
+            </a:r>
+            <a:endParaRPr lang="en-US" altLang="ko-KR" sz="1600" b="1" i="0" dirty="0" smtClean="0">
+              <a:solidFill>
+                <a:schemeClr val="tx1"/>
+              </a:solidFill>
+            </a:endParaRPr>
+          </a:p>
+        </p:txBody>
+      </p:sp>
+    </p:spTree>
+    <p:extLst>
+      <p:ext uri="{BB962C8B-B14F-4D97-AF65-F5344CB8AC3E}">
+        <p14:creationId xmlns:p14="http://schemas.microsoft.com/office/powerpoint/2010/main" val="646600730"/>
+      </p:ext>
+    </p:extLst>
+  </p:cSld>
+  <p:clrMapOvr>
+    <a:masterClrMapping/>
+  </p:clrMapOvr>
+</p:sld>
+</file>
+
+<file path=ppt/slides/slide9.xml><?xml version="1.0" encoding="utf-8"?>
+<p:sld xmlns:a="http://schemas.openxmlformats.org/drawingml/2006/main" xmlns:r="http://schemas.openxmlformats.org/officeDocument/2006/relationships" xmlns:p="http://schemas.openxmlformats.org/presentationml/2006/main">
+  <p:cSld>
+    <p:spTree>
+      <p:nvGrpSpPr>
+        <p:cNvPr id="1" name=""/>
+        <p:cNvGrpSpPr/>
+        <p:nvPr/>
+      </p:nvGrpSpPr>
+      <p:grpSpPr>
+        <a:xfrm>
+          <a:off x="0" y="0"/>
+          <a:ext cx="0" cy="0"/>
+          <a:chOff x="0" y="0"/>
+          <a:chExt cx="0" cy="0"/>
+        </a:xfrm>
+      </p:grpSpPr>
+      <p:sp>
+        <p:nvSpPr>
+          <p:cNvPr id="2" name="도형 17"/>
+          <p:cNvSpPr>
+            <a:spLocks/>
+          </p:cNvSpPr>
+          <p:nvPr/>
+        </p:nvSpPr>
+        <p:spPr>
+          <a:xfrm>
+            <a:off x="765868" y="316230"/>
+            <a:ext cx="1467068" cy="454292"/>
+          </a:xfrm>
+          <a:prstGeom prst="rect">
+            <a:avLst/>
+          </a:prstGeom>
+          <a:ln w="0">
+            <a:noFill/>
+            <a:prstDash/>
+          </a:ln>
+        </p:spPr>
+        <p:txBody>
+          <a:bodyPr vert="horz" wrap="none" lIns="91440" tIns="45720" rIns="91440" bIns="45720" numCol="1" anchor="t">
+            <a:spAutoFit/>
+          </a:bodyPr>
+          <a:lstStyle/>
+          <a:p>
+            <a:pPr marL="0" indent="0" latinLnBrk="0">
+              <a:lnSpc>
+                <a:spcPct val="150000"/>
+              </a:lnSpc>
+              <a:buFontTx/>
+              <a:buNone/>
+            </a:pPr>
+            <a:r>
+              <a:rPr lang="en-US" altLang="ko-KR" dirty="0" smtClean="0">
+                <a:solidFill>
+                  <a:schemeClr val="bg1"/>
+                </a:solidFill>
+              </a:rPr>
+              <a:t>MySQL </a:t>
+            </a:r>
+            <a:r>
+              <a:rPr lang="ko-KR" altLang="en-US" dirty="0" smtClean="0">
+                <a:solidFill>
+                  <a:schemeClr val="bg1"/>
+                </a:solidFill>
+              </a:rPr>
+              <a:t>설치</a:t>
+            </a:r>
+            <a:endParaRPr lang="ko-KR" altLang="en-US" dirty="0">
+              <a:solidFill>
+                <a:schemeClr val="bg1"/>
+              </a:solidFill>
+            </a:endParaRPr>
+          </a:p>
+        </p:txBody>
+      </p:sp>
+      <p:pic>
+        <p:nvPicPr>
+          <p:cNvPr id="3" name="그림 2"/>
+          <p:cNvPicPr>
+            <a:picLocks noChangeAspect="1"/>
+          </p:cNvPicPr>
+          <p:nvPr/>
+        </p:nvPicPr>
+        <p:blipFill>
+          <a:blip r:embed="rId2"/>
+          <a:stretch>
+            <a:fillRect/>
+          </a:stretch>
+        </p:blipFill>
+        <p:spPr>
+          <a:xfrm>
+            <a:off x="847899" y="1753386"/>
+            <a:ext cx="4344612" cy="3277805"/>
+          </a:xfrm>
+          <a:prstGeom prst="rect">
+            <a:avLst/>
+          </a:prstGeom>
+        </p:spPr>
+      </p:pic>
+      <p:sp>
+        <p:nvSpPr>
+          <p:cNvPr id="4" name="직사각형 3"/>
+          <p:cNvSpPr/>
+          <p:nvPr/>
+        </p:nvSpPr>
+        <p:spPr>
+          <a:xfrm>
+            <a:off x="4102269" y="4723620"/>
+            <a:ext cx="544546" cy="307571"/>
+          </a:xfrm>
+          <a:prstGeom prst="rect">
+            <a:avLst/>
+          </a:prstGeom>
+          <a:noFill/>
+          <a:ln w="28575">
+            <a:solidFill>
+              <a:srgbClr val="FF0000"/>
+            </a:solidFill>
+            <a:prstDash val="sysDash"/>
+          </a:ln>
+        </p:spPr>
+        <p:style>
+          <a:lnRef idx="2">
+            <a:schemeClr val="accent1">
+              <a:shade val="50000"/>
+            </a:schemeClr>
+          </a:lnRef>
+          <a:fillRef idx="1">
+            <a:schemeClr val="accent1"/>
+          </a:fillRef>
+          <a:effectRef idx="0">
+            <a:schemeClr val="accent1"/>
+          </a:effectRef>
+          <a:fontRef idx="minor">
+            <a:schemeClr val="lt1"/>
+          </a:fontRef>
+        </p:style>
+        <p:txBody>
+          <a:bodyPr rtlCol="0" anchor="ctr"/>
+          <a:lstStyle/>
+          <a:p>
+            <a:pPr algn="ctr"/>
+            <a:endParaRPr lang="ko-KR" altLang="en-US"/>
+          </a:p>
+        </p:txBody>
+      </p:sp>
+      <p:sp>
+        <p:nvSpPr>
+          <p:cNvPr id="5" name="도형 19"/>
+          <p:cNvSpPr>
+            <a:spLocks/>
+          </p:cNvSpPr>
+          <p:nvPr/>
+        </p:nvSpPr>
+        <p:spPr>
+          <a:xfrm>
+            <a:off x="423544" y="1251290"/>
+            <a:ext cx="11438717" cy="506357"/>
+          </a:xfrm>
+          <a:prstGeom prst="rect">
+            <a:avLst/>
+          </a:prstGeom>
+        </p:spPr>
+        <p:txBody>
+          <a:bodyPr vert="horz" wrap="square" lIns="91440" tIns="45720" rIns="91440" bIns="45720" numCol="1" anchor="t">
+            <a:spAutoFit/>
+          </a:bodyPr>
+          <a:lstStyle/>
+          <a:p>
+            <a:pPr latinLnBrk="0">
+              <a:lnSpc>
+                <a:spcPct val="200000"/>
+              </a:lnSpc>
+              <a:defRPr/>
+            </a:pPr>
+            <a:r>
+              <a:rPr lang="en-US" altLang="ko-KR" sz="1600" b="1" dirty="0" smtClean="0"/>
+              <a:t>- Execute </a:t>
+            </a:r>
+            <a:r>
+              <a:rPr lang="ko-KR" altLang="en-US" sz="1600" b="1" dirty="0" smtClean="0"/>
+              <a:t>버튼 수행 후 </a:t>
+            </a:r>
+            <a:r>
+              <a:rPr lang="en-US" altLang="ko-KR" sz="1600" b="1" dirty="0" smtClean="0"/>
+              <a:t>“Next”</a:t>
+            </a:r>
+            <a:r>
+              <a:rPr lang="ko-KR" altLang="en-US" sz="1600" b="1" dirty="0" smtClean="0"/>
+              <a:t>버튼이 생기면 클릭</a:t>
+            </a:r>
+            <a:endParaRPr lang="en-US" altLang="ko-KR" sz="1600" b="1" i="0" dirty="0" smtClean="0">
+              <a:solidFill>
+                <a:schemeClr val="tx1"/>
+              </a:solidFill>
+            </a:endParaRPr>
+          </a:p>
+        </p:txBody>
+      </p:sp>
+      <p:pic>
+        <p:nvPicPr>
+          <p:cNvPr id="6" name="그림 5"/>
+          <p:cNvPicPr>
+            <a:picLocks noChangeAspect="1"/>
+          </p:cNvPicPr>
+          <p:nvPr/>
+        </p:nvPicPr>
+        <p:blipFill>
+          <a:blip r:embed="rId3"/>
+          <a:stretch>
+            <a:fillRect/>
+          </a:stretch>
+        </p:blipFill>
+        <p:spPr>
+          <a:xfrm>
+            <a:off x="5192511" y="1947949"/>
+            <a:ext cx="4288726" cy="3235642"/>
+          </a:xfrm>
+          <a:prstGeom prst="rect">
+            <a:avLst/>
+          </a:prstGeom>
+        </p:spPr>
+      </p:pic>
+      <p:sp>
+        <p:nvSpPr>
+          <p:cNvPr id="7" name="직사각형 6"/>
+          <p:cNvSpPr/>
+          <p:nvPr/>
+        </p:nvSpPr>
+        <p:spPr>
+          <a:xfrm>
+            <a:off x="8393766" y="4893125"/>
+            <a:ext cx="544546" cy="307571"/>
+          </a:xfrm>
+          <a:prstGeom prst="rect">
+            <a:avLst/>
+          </a:prstGeom>
+          <a:noFill/>
+          <a:ln w="28575">
+            <a:solidFill>
+              <a:srgbClr val="FF0000"/>
+            </a:solidFill>
+            <a:prstDash val="sysDash"/>
+          </a:ln>
+        </p:spPr>
+        <p:style>
+          <a:lnRef idx="2">
+            <a:schemeClr val="accent1">
+              <a:shade val="50000"/>
+            </a:schemeClr>
+          </a:lnRef>
+          <a:fillRef idx="1">
+            <a:schemeClr val="accent1"/>
+          </a:fillRef>
+          <a:effectRef idx="0">
+            <a:schemeClr val="accent1"/>
+          </a:effectRef>
+          <a:fontRef idx="minor">
+            <a:schemeClr val="lt1"/>
+          </a:fontRef>
+        </p:style>
+        <p:txBody>
+          <a:bodyPr rtlCol="0" anchor="ctr"/>
+          <a:lstStyle/>
+          <a:p>
+            <a:pPr algn="ctr"/>
+            <a:endParaRPr lang="ko-KR" altLang="en-US"/>
+          </a:p>
+        </p:txBody>
+      </p:sp>
+    </p:spTree>
+    <p:extLst>
+      <p:ext uri="{BB962C8B-B14F-4D97-AF65-F5344CB8AC3E}">
+        <p14:creationId xmlns:p14="http://schemas.microsoft.com/office/powerpoint/2010/main" val="3865434069"/>
       </p:ext>
     </p:extLst>
   </p:cSld>
